--- a/docs/question-answering-draft.pptx
+++ b/docs/question-answering-draft.pptx
@@ -18,6 +18,12 @@
     <p:sldId id="263" r:id="rId13"/>
     <p:sldId id="264" r:id="rId14"/>
     <p:sldId id="265" r:id="rId15"/>
+    <p:sldId id="266" r:id="rId16"/>
+    <p:sldId id="267" r:id="rId17"/>
+    <p:sldId id="268" r:id="rId18"/>
+    <p:sldId id="269" r:id="rId19"/>
+    <p:sldId id="270" r:id="rId20"/>
+    <p:sldId id="271" r:id="rId21"/>
   </p:sldIdLst>
   <p:sldSz cy="6858000" cx="9144000"/>
   <p:notesSz cx="7315200" cy="9601200"/>
@@ -266,7 +272,7 @@
       </p15:sldGuideLst>
     </p:ext>
     <p:ext uri="http://customooxmlschemas.google.com/">
-      <go:slidesCustomData xmlns:go="http://customooxmlschemas.google.com/" r:id="rId16" roundtripDataSignature="AMtx7mgzFRt5YXWQbDjyuqR3AJfLhwxuqw=="/>
+      <go:slidesCustomData xmlns:go="http://customooxmlschemas.google.com/" r:id="rId22" roundtripDataSignature="AMtx7mj/79VSp3F66xoedczQF75tDMhBiA=="/>
     </p:ext>
   </p:extLst>
 </p:presentation>
@@ -1544,7 +1550,7 @@
   <p:cSld>
     <p:spTree>
       <p:nvGrpSpPr>
-        <p:cNvPr id="154" name="Shape 154"/>
+        <p:cNvPr id="153" name="Shape 153"/>
         <p:cNvGrpSpPr/>
         <p:nvPr/>
       </p:nvGrpSpPr>
@@ -1558,7 +1564,722 @@
       </p:grpSpPr>
       <p:sp>
         <p:nvSpPr>
-          <p:cNvPr id="155" name="Google Shape;155;p6:notes"/>
+          <p:cNvPr id="154" name="Google Shape;154;gf7b50f721a_0_0:notes"/>
+          <p:cNvSpPr/>
+          <p:nvPr>
+            <p:ph idx="2" type="sldImg"/>
+          </p:nvPr>
+        </p:nvSpPr>
+        <p:spPr>
+          <a:xfrm>
+            <a:off x="1257300" y="720725"/>
+            <a:ext cx="4800600" cy="3600600"/>
+          </a:xfrm>
+          <a:custGeom>
+            <a:rect b="b" l="l" r="r" t="t"/>
+            <a:pathLst>
+              <a:path extrusionOk="0" h="120000" w="120000">
+                <a:moveTo>
+                  <a:pt x="0" y="0"/>
+                </a:moveTo>
+                <a:lnTo>
+                  <a:pt x="120000" y="0"/>
+                </a:lnTo>
+                <a:lnTo>
+                  <a:pt x="120000" y="120000"/>
+                </a:lnTo>
+                <a:lnTo>
+                  <a:pt x="0" y="120000"/>
+                </a:lnTo>
+                <a:close/>
+              </a:path>
+            </a:pathLst>
+          </a:custGeom>
+        </p:spPr>
+      </p:sp>
+      <p:sp>
+        <p:nvSpPr>
+          <p:cNvPr id="155" name="Google Shape;155;gf7b50f721a_0_0:notes"/>
+          <p:cNvSpPr txBox="1"/>
+          <p:nvPr>
+            <p:ph idx="1" type="body"/>
+          </p:nvPr>
+        </p:nvSpPr>
+        <p:spPr>
+          <a:xfrm>
+            <a:off x="731520" y="4560570"/>
+            <a:ext cx="5852100" cy="4320600"/>
+          </a:xfrm>
+          <a:prstGeom prst="rect">
+            <a:avLst/>
+          </a:prstGeom>
+        </p:spPr>
+        <p:txBody>
+          <a:bodyPr anchorCtr="0" anchor="t" bIns="45225" lIns="90450" spcFirstLastPara="1" rIns="90450" wrap="square" tIns="45225">
+            <a:noAutofit/>
+          </a:bodyPr>
+          <a:lstStyle/>
+          <a:p>
+            <a:pPr indent="0" lvl="0" marL="0" rtl="0" algn="l">
+              <a:spcBef>
+                <a:spcPts val="0"/>
+              </a:spcBef>
+              <a:spcAft>
+                <a:spcPts val="0"/>
+              </a:spcAft>
+              <a:buNone/>
+            </a:pPr>
+            <a:r>
+              <a:t/>
+            </a:r>
+            <a:endParaRPr/>
+          </a:p>
+        </p:txBody>
+      </p:sp>
+      <p:sp>
+        <p:nvSpPr>
+          <p:cNvPr id="156" name="Google Shape;156;gf7b50f721a_0_0:notes"/>
+          <p:cNvSpPr txBox="1"/>
+          <p:nvPr>
+            <p:ph idx="12" type="sldNum"/>
+          </p:nvPr>
+        </p:nvSpPr>
+        <p:spPr>
+          <a:xfrm>
+            <a:off x="4143590" y="9119474"/>
+            <a:ext cx="3169800" cy="480000"/>
+          </a:xfrm>
+          <a:prstGeom prst="rect">
+            <a:avLst/>
+          </a:prstGeom>
+        </p:spPr>
+        <p:txBody>
+          <a:bodyPr anchorCtr="0" anchor="b" bIns="45225" lIns="90450" spcFirstLastPara="1" rIns="90450" wrap="square" tIns="45225">
+            <a:noAutofit/>
+          </a:bodyPr>
+          <a:lstStyle/>
+          <a:p>
+            <a:pPr indent="0" lvl="0" marL="0" rtl="0" algn="r">
+              <a:spcBef>
+                <a:spcPts val="0"/>
+              </a:spcBef>
+              <a:spcAft>
+                <a:spcPts val="0"/>
+              </a:spcAft>
+              <a:buClr>
+                <a:srgbClr val="000000"/>
+              </a:buClr>
+              <a:buFont typeface="Arial"/>
+              <a:buNone/>
+            </a:pPr>
+            <a:fld id="{00000000-1234-1234-1234-123412341234}" type="slidenum">
+              <a:rPr lang="en-HK"/>
+              <a:t>‹#›</a:t>
+            </a:fld>
+            <a:endParaRPr/>
+          </a:p>
+        </p:txBody>
+      </p:sp>
+    </p:spTree>
+  </p:cSld>
+  <p:clrMapOvr>
+    <a:masterClrMapping/>
+  </p:clrMapOvr>
+</p:notes>
+</file>
+
+<file path=ppt/notesSlides/notesSlide11.xml><?xml version="1.0" encoding="utf-8"?>
+<p:notes xmlns:a="http://schemas.openxmlformats.org/drawingml/2006/main" xmlns:r="http://schemas.openxmlformats.org/officeDocument/2006/relationships" xmlns:mc="http://schemas.openxmlformats.org/markup-compatibility/2006" xmlns:mv="urn:schemas-microsoft-com:mac:vml" xmlns:p="http://schemas.openxmlformats.org/presentationml/2006/main" xmlns:c="http://schemas.openxmlformats.org/drawingml/2006/chart" xmlns:dgm="http://schemas.openxmlformats.org/drawingml/2006/diagram" xmlns:o="urn:schemas-microsoft-com:office:office" xmlns:v="urn:schemas-microsoft-com:vml" xmlns:pvml="urn:schemas-microsoft-com:office:powerpoint" xmlns:com="http://schemas.openxmlformats.org/drawingml/2006/compatibility" xmlns:p14="http://schemas.microsoft.com/office/powerpoint/2010/main" xmlns:p15="http://schemas.microsoft.com/office/powerpoint/2012/main" xmlns:ahyp="http://schemas.microsoft.com/office/drawing/2018/hyperlinkcolor" showMasterPhAnim="0" showMasterSp="0">
+  <p:cSld>
+    <p:spTree>
+      <p:nvGrpSpPr>
+        <p:cNvPr id="161" name="Shape 161"/>
+        <p:cNvGrpSpPr/>
+        <p:nvPr/>
+      </p:nvGrpSpPr>
+      <p:grpSpPr>
+        <a:xfrm>
+          <a:off x="0" y="0"/>
+          <a:ext cx="0" cy="0"/>
+          <a:chOff x="0" y="0"/>
+          <a:chExt cx="0" cy="0"/>
+        </a:xfrm>
+      </p:grpSpPr>
+      <p:sp>
+        <p:nvSpPr>
+          <p:cNvPr id="162" name="Google Shape;162;gf6c6352470_0_0:notes"/>
+          <p:cNvSpPr/>
+          <p:nvPr>
+            <p:ph idx="2" type="sldImg"/>
+          </p:nvPr>
+        </p:nvSpPr>
+        <p:spPr>
+          <a:xfrm>
+            <a:off x="1257300" y="720725"/>
+            <a:ext cx="4800600" cy="3600600"/>
+          </a:xfrm>
+          <a:custGeom>
+            <a:rect b="b" l="l" r="r" t="t"/>
+            <a:pathLst>
+              <a:path extrusionOk="0" h="120000" w="120000">
+                <a:moveTo>
+                  <a:pt x="0" y="0"/>
+                </a:moveTo>
+                <a:lnTo>
+                  <a:pt x="120000" y="0"/>
+                </a:lnTo>
+                <a:lnTo>
+                  <a:pt x="120000" y="120000"/>
+                </a:lnTo>
+                <a:lnTo>
+                  <a:pt x="0" y="120000"/>
+                </a:lnTo>
+                <a:close/>
+              </a:path>
+            </a:pathLst>
+          </a:custGeom>
+        </p:spPr>
+      </p:sp>
+      <p:sp>
+        <p:nvSpPr>
+          <p:cNvPr id="163" name="Google Shape;163;gf6c6352470_0_0:notes"/>
+          <p:cNvSpPr txBox="1"/>
+          <p:nvPr>
+            <p:ph idx="1" type="body"/>
+          </p:nvPr>
+        </p:nvSpPr>
+        <p:spPr>
+          <a:xfrm>
+            <a:off x="731520" y="4560570"/>
+            <a:ext cx="5852100" cy="4320600"/>
+          </a:xfrm>
+          <a:prstGeom prst="rect">
+            <a:avLst/>
+          </a:prstGeom>
+        </p:spPr>
+        <p:txBody>
+          <a:bodyPr anchorCtr="0" anchor="t" bIns="45225" lIns="90450" spcFirstLastPara="1" rIns="90450" wrap="square" tIns="45225">
+            <a:noAutofit/>
+          </a:bodyPr>
+          <a:lstStyle/>
+          <a:p>
+            <a:pPr indent="0" lvl="0" marL="0" rtl="0" algn="l">
+              <a:spcBef>
+                <a:spcPts val="0"/>
+              </a:spcBef>
+              <a:spcAft>
+                <a:spcPts val="0"/>
+              </a:spcAft>
+              <a:buNone/>
+            </a:pPr>
+            <a:r>
+              <a:t/>
+            </a:r>
+            <a:endParaRPr/>
+          </a:p>
+        </p:txBody>
+      </p:sp>
+      <p:sp>
+        <p:nvSpPr>
+          <p:cNvPr id="164" name="Google Shape;164;gf6c6352470_0_0:notes"/>
+          <p:cNvSpPr txBox="1"/>
+          <p:nvPr>
+            <p:ph idx="12" type="sldNum"/>
+          </p:nvPr>
+        </p:nvSpPr>
+        <p:spPr>
+          <a:xfrm>
+            <a:off x="4143590" y="9119474"/>
+            <a:ext cx="3169800" cy="480000"/>
+          </a:xfrm>
+          <a:prstGeom prst="rect">
+            <a:avLst/>
+          </a:prstGeom>
+        </p:spPr>
+        <p:txBody>
+          <a:bodyPr anchorCtr="0" anchor="b" bIns="45225" lIns="90450" spcFirstLastPara="1" rIns="90450" wrap="square" tIns="45225">
+            <a:noAutofit/>
+          </a:bodyPr>
+          <a:lstStyle/>
+          <a:p>
+            <a:pPr indent="0" lvl="0" marL="0" rtl="0" algn="r">
+              <a:spcBef>
+                <a:spcPts val="0"/>
+              </a:spcBef>
+              <a:spcAft>
+                <a:spcPts val="0"/>
+              </a:spcAft>
+              <a:buClr>
+                <a:srgbClr val="000000"/>
+              </a:buClr>
+              <a:buFont typeface="Arial"/>
+              <a:buNone/>
+            </a:pPr>
+            <a:fld id="{00000000-1234-1234-1234-123412341234}" type="slidenum">
+              <a:rPr lang="en-HK"/>
+              <a:t>‹#›</a:t>
+            </a:fld>
+            <a:endParaRPr/>
+          </a:p>
+        </p:txBody>
+      </p:sp>
+    </p:spTree>
+  </p:cSld>
+  <p:clrMapOvr>
+    <a:masterClrMapping/>
+  </p:clrMapOvr>
+</p:notes>
+</file>
+
+<file path=ppt/notesSlides/notesSlide12.xml><?xml version="1.0" encoding="utf-8"?>
+<p:notes xmlns:a="http://schemas.openxmlformats.org/drawingml/2006/main" xmlns:r="http://schemas.openxmlformats.org/officeDocument/2006/relationships" xmlns:mc="http://schemas.openxmlformats.org/markup-compatibility/2006" xmlns:mv="urn:schemas-microsoft-com:mac:vml" xmlns:p="http://schemas.openxmlformats.org/presentationml/2006/main" xmlns:c="http://schemas.openxmlformats.org/drawingml/2006/chart" xmlns:dgm="http://schemas.openxmlformats.org/drawingml/2006/diagram" xmlns:o="urn:schemas-microsoft-com:office:office" xmlns:v="urn:schemas-microsoft-com:vml" xmlns:pvml="urn:schemas-microsoft-com:office:powerpoint" xmlns:com="http://schemas.openxmlformats.org/drawingml/2006/compatibility" xmlns:p14="http://schemas.microsoft.com/office/powerpoint/2010/main" xmlns:p15="http://schemas.microsoft.com/office/powerpoint/2012/main" xmlns:ahyp="http://schemas.microsoft.com/office/drawing/2018/hyperlinkcolor" showMasterPhAnim="0" showMasterSp="0">
+  <p:cSld>
+    <p:spTree>
+      <p:nvGrpSpPr>
+        <p:cNvPr id="169" name="Shape 169"/>
+        <p:cNvGrpSpPr/>
+        <p:nvPr/>
+      </p:nvGrpSpPr>
+      <p:grpSpPr>
+        <a:xfrm>
+          <a:off x="0" y="0"/>
+          <a:ext cx="0" cy="0"/>
+          <a:chOff x="0" y="0"/>
+          <a:chExt cx="0" cy="0"/>
+        </a:xfrm>
+      </p:grpSpPr>
+      <p:sp>
+        <p:nvSpPr>
+          <p:cNvPr id="170" name="Google Shape;170;gf918c11ff1_0_0:notes"/>
+          <p:cNvSpPr/>
+          <p:nvPr>
+            <p:ph idx="2" type="sldImg"/>
+          </p:nvPr>
+        </p:nvSpPr>
+        <p:spPr>
+          <a:xfrm>
+            <a:off x="1257300" y="720725"/>
+            <a:ext cx="4800600" cy="3600600"/>
+          </a:xfrm>
+          <a:custGeom>
+            <a:rect b="b" l="l" r="r" t="t"/>
+            <a:pathLst>
+              <a:path extrusionOk="0" h="120000" w="120000">
+                <a:moveTo>
+                  <a:pt x="0" y="0"/>
+                </a:moveTo>
+                <a:lnTo>
+                  <a:pt x="120000" y="0"/>
+                </a:lnTo>
+                <a:lnTo>
+                  <a:pt x="120000" y="120000"/>
+                </a:lnTo>
+                <a:lnTo>
+                  <a:pt x="0" y="120000"/>
+                </a:lnTo>
+                <a:close/>
+              </a:path>
+            </a:pathLst>
+          </a:custGeom>
+        </p:spPr>
+      </p:sp>
+      <p:sp>
+        <p:nvSpPr>
+          <p:cNvPr id="171" name="Google Shape;171;gf918c11ff1_0_0:notes"/>
+          <p:cNvSpPr txBox="1"/>
+          <p:nvPr>
+            <p:ph idx="1" type="body"/>
+          </p:nvPr>
+        </p:nvSpPr>
+        <p:spPr>
+          <a:xfrm>
+            <a:off x="731520" y="4560570"/>
+            <a:ext cx="5852100" cy="4320600"/>
+          </a:xfrm>
+          <a:prstGeom prst="rect">
+            <a:avLst/>
+          </a:prstGeom>
+        </p:spPr>
+        <p:txBody>
+          <a:bodyPr anchorCtr="0" anchor="t" bIns="45225" lIns="90450" spcFirstLastPara="1" rIns="90450" wrap="square" tIns="45225">
+            <a:noAutofit/>
+          </a:bodyPr>
+          <a:lstStyle/>
+          <a:p>
+            <a:pPr indent="0" lvl="0" marL="0" rtl="0" algn="l">
+              <a:spcBef>
+                <a:spcPts val="0"/>
+              </a:spcBef>
+              <a:spcAft>
+                <a:spcPts val="0"/>
+              </a:spcAft>
+              <a:buNone/>
+            </a:pPr>
+            <a:r>
+              <a:t/>
+            </a:r>
+            <a:endParaRPr/>
+          </a:p>
+        </p:txBody>
+      </p:sp>
+      <p:sp>
+        <p:nvSpPr>
+          <p:cNvPr id="172" name="Google Shape;172;gf918c11ff1_0_0:notes"/>
+          <p:cNvSpPr txBox="1"/>
+          <p:nvPr>
+            <p:ph idx="12" type="sldNum"/>
+          </p:nvPr>
+        </p:nvSpPr>
+        <p:spPr>
+          <a:xfrm>
+            <a:off x="4143590" y="9119474"/>
+            <a:ext cx="3169800" cy="480000"/>
+          </a:xfrm>
+          <a:prstGeom prst="rect">
+            <a:avLst/>
+          </a:prstGeom>
+        </p:spPr>
+        <p:txBody>
+          <a:bodyPr anchorCtr="0" anchor="b" bIns="45225" lIns="90450" spcFirstLastPara="1" rIns="90450" wrap="square" tIns="45225">
+            <a:noAutofit/>
+          </a:bodyPr>
+          <a:lstStyle/>
+          <a:p>
+            <a:pPr indent="0" lvl="0" marL="0" rtl="0" algn="r">
+              <a:spcBef>
+                <a:spcPts val="0"/>
+              </a:spcBef>
+              <a:spcAft>
+                <a:spcPts val="0"/>
+              </a:spcAft>
+              <a:buClr>
+                <a:srgbClr val="000000"/>
+              </a:buClr>
+              <a:buFont typeface="Arial"/>
+              <a:buNone/>
+            </a:pPr>
+            <a:fld id="{00000000-1234-1234-1234-123412341234}" type="slidenum">
+              <a:rPr lang="en-HK"/>
+              <a:t>‹#›</a:t>
+            </a:fld>
+            <a:endParaRPr/>
+          </a:p>
+        </p:txBody>
+      </p:sp>
+    </p:spTree>
+  </p:cSld>
+  <p:clrMapOvr>
+    <a:masterClrMapping/>
+  </p:clrMapOvr>
+</p:notes>
+</file>
+
+<file path=ppt/notesSlides/notesSlide13.xml><?xml version="1.0" encoding="utf-8"?>
+<p:notes xmlns:a="http://schemas.openxmlformats.org/drawingml/2006/main" xmlns:r="http://schemas.openxmlformats.org/officeDocument/2006/relationships" xmlns:mc="http://schemas.openxmlformats.org/markup-compatibility/2006" xmlns:mv="urn:schemas-microsoft-com:mac:vml" xmlns:p="http://schemas.openxmlformats.org/presentationml/2006/main" xmlns:c="http://schemas.openxmlformats.org/drawingml/2006/chart" xmlns:dgm="http://schemas.openxmlformats.org/drawingml/2006/diagram" xmlns:o="urn:schemas-microsoft-com:office:office" xmlns:v="urn:schemas-microsoft-com:vml" xmlns:pvml="urn:schemas-microsoft-com:office:powerpoint" xmlns:com="http://schemas.openxmlformats.org/drawingml/2006/compatibility" xmlns:p14="http://schemas.microsoft.com/office/powerpoint/2010/main" xmlns:p15="http://schemas.microsoft.com/office/powerpoint/2012/main" xmlns:ahyp="http://schemas.microsoft.com/office/drawing/2018/hyperlinkcolor" showMasterPhAnim="0" showMasterSp="0">
+  <p:cSld>
+    <p:spTree>
+      <p:nvGrpSpPr>
+        <p:cNvPr id="177" name="Shape 177"/>
+        <p:cNvGrpSpPr/>
+        <p:nvPr/>
+      </p:nvGrpSpPr>
+      <p:grpSpPr>
+        <a:xfrm>
+          <a:off x="0" y="0"/>
+          <a:ext cx="0" cy="0"/>
+          <a:chOff x="0" y="0"/>
+          <a:chExt cx="0" cy="0"/>
+        </a:xfrm>
+      </p:grpSpPr>
+      <p:sp>
+        <p:nvSpPr>
+          <p:cNvPr id="178" name="Google Shape;178;gf918c11ff1_0_7:notes"/>
+          <p:cNvSpPr/>
+          <p:nvPr>
+            <p:ph idx="2" type="sldImg"/>
+          </p:nvPr>
+        </p:nvSpPr>
+        <p:spPr>
+          <a:xfrm>
+            <a:off x="1257300" y="720725"/>
+            <a:ext cx="4800600" cy="3600600"/>
+          </a:xfrm>
+          <a:custGeom>
+            <a:rect b="b" l="l" r="r" t="t"/>
+            <a:pathLst>
+              <a:path extrusionOk="0" h="120000" w="120000">
+                <a:moveTo>
+                  <a:pt x="0" y="0"/>
+                </a:moveTo>
+                <a:lnTo>
+                  <a:pt x="120000" y="0"/>
+                </a:lnTo>
+                <a:lnTo>
+                  <a:pt x="120000" y="120000"/>
+                </a:lnTo>
+                <a:lnTo>
+                  <a:pt x="0" y="120000"/>
+                </a:lnTo>
+                <a:close/>
+              </a:path>
+            </a:pathLst>
+          </a:custGeom>
+        </p:spPr>
+      </p:sp>
+      <p:sp>
+        <p:nvSpPr>
+          <p:cNvPr id="179" name="Google Shape;179;gf918c11ff1_0_7:notes"/>
+          <p:cNvSpPr txBox="1"/>
+          <p:nvPr>
+            <p:ph idx="1" type="body"/>
+          </p:nvPr>
+        </p:nvSpPr>
+        <p:spPr>
+          <a:xfrm>
+            <a:off x="731520" y="4560570"/>
+            <a:ext cx="5852100" cy="4320600"/>
+          </a:xfrm>
+          <a:prstGeom prst="rect">
+            <a:avLst/>
+          </a:prstGeom>
+        </p:spPr>
+        <p:txBody>
+          <a:bodyPr anchorCtr="0" anchor="t" bIns="45225" lIns="90450" spcFirstLastPara="1" rIns="90450" wrap="square" tIns="45225">
+            <a:noAutofit/>
+          </a:bodyPr>
+          <a:lstStyle/>
+          <a:p>
+            <a:pPr indent="0" lvl="0" marL="0" rtl="0" algn="l">
+              <a:spcBef>
+                <a:spcPts val="0"/>
+              </a:spcBef>
+              <a:spcAft>
+                <a:spcPts val="0"/>
+              </a:spcAft>
+              <a:buNone/>
+            </a:pPr>
+            <a:r>
+              <a:t/>
+            </a:r>
+            <a:endParaRPr/>
+          </a:p>
+        </p:txBody>
+      </p:sp>
+      <p:sp>
+        <p:nvSpPr>
+          <p:cNvPr id="180" name="Google Shape;180;gf918c11ff1_0_7:notes"/>
+          <p:cNvSpPr txBox="1"/>
+          <p:nvPr>
+            <p:ph idx="12" type="sldNum"/>
+          </p:nvPr>
+        </p:nvSpPr>
+        <p:spPr>
+          <a:xfrm>
+            <a:off x="4143590" y="9119474"/>
+            <a:ext cx="3169800" cy="480000"/>
+          </a:xfrm>
+          <a:prstGeom prst="rect">
+            <a:avLst/>
+          </a:prstGeom>
+        </p:spPr>
+        <p:txBody>
+          <a:bodyPr anchorCtr="0" anchor="b" bIns="45225" lIns="90450" spcFirstLastPara="1" rIns="90450" wrap="square" tIns="45225">
+            <a:noAutofit/>
+          </a:bodyPr>
+          <a:lstStyle/>
+          <a:p>
+            <a:pPr indent="0" lvl="0" marL="0" rtl="0" algn="r">
+              <a:spcBef>
+                <a:spcPts val="0"/>
+              </a:spcBef>
+              <a:spcAft>
+                <a:spcPts val="0"/>
+              </a:spcAft>
+              <a:buClr>
+                <a:srgbClr val="000000"/>
+              </a:buClr>
+              <a:buFont typeface="Arial"/>
+              <a:buNone/>
+            </a:pPr>
+            <a:fld id="{00000000-1234-1234-1234-123412341234}" type="slidenum">
+              <a:rPr lang="en-HK"/>
+              <a:t>‹#›</a:t>
+            </a:fld>
+            <a:endParaRPr/>
+          </a:p>
+        </p:txBody>
+      </p:sp>
+    </p:spTree>
+  </p:cSld>
+  <p:clrMapOvr>
+    <a:masterClrMapping/>
+  </p:clrMapOvr>
+</p:notes>
+</file>
+
+<file path=ppt/notesSlides/notesSlide14.xml><?xml version="1.0" encoding="utf-8"?>
+<p:notes xmlns:a="http://schemas.openxmlformats.org/drawingml/2006/main" xmlns:r="http://schemas.openxmlformats.org/officeDocument/2006/relationships" xmlns:mc="http://schemas.openxmlformats.org/markup-compatibility/2006" xmlns:mv="urn:schemas-microsoft-com:mac:vml" xmlns:p="http://schemas.openxmlformats.org/presentationml/2006/main" xmlns:c="http://schemas.openxmlformats.org/drawingml/2006/chart" xmlns:dgm="http://schemas.openxmlformats.org/drawingml/2006/diagram" xmlns:o="urn:schemas-microsoft-com:office:office" xmlns:v="urn:schemas-microsoft-com:vml" xmlns:pvml="urn:schemas-microsoft-com:office:powerpoint" xmlns:com="http://schemas.openxmlformats.org/drawingml/2006/compatibility" xmlns:p14="http://schemas.microsoft.com/office/powerpoint/2010/main" xmlns:p15="http://schemas.microsoft.com/office/powerpoint/2012/main" xmlns:ahyp="http://schemas.microsoft.com/office/drawing/2018/hyperlinkcolor" showMasterPhAnim="0" showMasterSp="0">
+  <p:cSld>
+    <p:spTree>
+      <p:nvGrpSpPr>
+        <p:cNvPr id="185" name="Shape 185"/>
+        <p:cNvGrpSpPr/>
+        <p:nvPr/>
+      </p:nvGrpSpPr>
+      <p:grpSpPr>
+        <a:xfrm>
+          <a:off x="0" y="0"/>
+          <a:ext cx="0" cy="0"/>
+          <a:chOff x="0" y="0"/>
+          <a:chExt cx="0" cy="0"/>
+        </a:xfrm>
+      </p:grpSpPr>
+      <p:sp>
+        <p:nvSpPr>
+          <p:cNvPr id="186" name="Google Shape;186;gf918c11ff1_0_16:notes"/>
+          <p:cNvSpPr/>
+          <p:nvPr>
+            <p:ph idx="2" type="sldImg"/>
+          </p:nvPr>
+        </p:nvSpPr>
+        <p:spPr>
+          <a:xfrm>
+            <a:off x="1257300" y="720725"/>
+            <a:ext cx="4800600" cy="3600600"/>
+          </a:xfrm>
+          <a:custGeom>
+            <a:rect b="b" l="l" r="r" t="t"/>
+            <a:pathLst>
+              <a:path extrusionOk="0" h="120000" w="120000">
+                <a:moveTo>
+                  <a:pt x="0" y="0"/>
+                </a:moveTo>
+                <a:lnTo>
+                  <a:pt x="120000" y="0"/>
+                </a:lnTo>
+                <a:lnTo>
+                  <a:pt x="120000" y="120000"/>
+                </a:lnTo>
+                <a:lnTo>
+                  <a:pt x="0" y="120000"/>
+                </a:lnTo>
+                <a:close/>
+              </a:path>
+            </a:pathLst>
+          </a:custGeom>
+        </p:spPr>
+      </p:sp>
+      <p:sp>
+        <p:nvSpPr>
+          <p:cNvPr id="187" name="Google Shape;187;gf918c11ff1_0_16:notes"/>
+          <p:cNvSpPr txBox="1"/>
+          <p:nvPr>
+            <p:ph idx="1" type="body"/>
+          </p:nvPr>
+        </p:nvSpPr>
+        <p:spPr>
+          <a:xfrm>
+            <a:off x="731520" y="4560570"/>
+            <a:ext cx="5852100" cy="4320600"/>
+          </a:xfrm>
+          <a:prstGeom prst="rect">
+            <a:avLst/>
+          </a:prstGeom>
+        </p:spPr>
+        <p:txBody>
+          <a:bodyPr anchorCtr="0" anchor="t" bIns="45225" lIns="90450" spcFirstLastPara="1" rIns="90450" wrap="square" tIns="45225">
+            <a:noAutofit/>
+          </a:bodyPr>
+          <a:lstStyle/>
+          <a:p>
+            <a:pPr indent="0" lvl="0" marL="0" rtl="0" algn="l">
+              <a:spcBef>
+                <a:spcPts val="0"/>
+              </a:spcBef>
+              <a:spcAft>
+                <a:spcPts val="0"/>
+              </a:spcAft>
+              <a:buNone/>
+            </a:pPr>
+            <a:r>
+              <a:t/>
+            </a:r>
+            <a:endParaRPr/>
+          </a:p>
+        </p:txBody>
+      </p:sp>
+      <p:sp>
+        <p:nvSpPr>
+          <p:cNvPr id="188" name="Google Shape;188;gf918c11ff1_0_16:notes"/>
+          <p:cNvSpPr txBox="1"/>
+          <p:nvPr>
+            <p:ph idx="12" type="sldNum"/>
+          </p:nvPr>
+        </p:nvSpPr>
+        <p:spPr>
+          <a:xfrm>
+            <a:off x="4143590" y="9119474"/>
+            <a:ext cx="3169800" cy="480000"/>
+          </a:xfrm>
+          <a:prstGeom prst="rect">
+            <a:avLst/>
+          </a:prstGeom>
+        </p:spPr>
+        <p:txBody>
+          <a:bodyPr anchorCtr="0" anchor="b" bIns="45225" lIns="90450" spcFirstLastPara="1" rIns="90450" wrap="square" tIns="45225">
+            <a:noAutofit/>
+          </a:bodyPr>
+          <a:lstStyle/>
+          <a:p>
+            <a:pPr indent="0" lvl="0" marL="0" rtl="0" algn="r">
+              <a:spcBef>
+                <a:spcPts val="0"/>
+              </a:spcBef>
+              <a:spcAft>
+                <a:spcPts val="0"/>
+              </a:spcAft>
+              <a:buClr>
+                <a:srgbClr val="000000"/>
+              </a:buClr>
+              <a:buFont typeface="Arial"/>
+              <a:buNone/>
+            </a:pPr>
+            <a:fld id="{00000000-1234-1234-1234-123412341234}" type="slidenum">
+              <a:rPr lang="en-HK"/>
+              <a:t>‹#›</a:t>
+            </a:fld>
+            <a:endParaRPr/>
+          </a:p>
+        </p:txBody>
+      </p:sp>
+    </p:spTree>
+  </p:cSld>
+  <p:clrMapOvr>
+    <a:masterClrMapping/>
+  </p:clrMapOvr>
+</p:notes>
+</file>
+
+<file path=ppt/notesSlides/notesSlide15.xml><?xml version="1.0" encoding="utf-8"?>
+<p:notes xmlns:a="http://schemas.openxmlformats.org/drawingml/2006/main" xmlns:r="http://schemas.openxmlformats.org/officeDocument/2006/relationships" xmlns:mc="http://schemas.openxmlformats.org/markup-compatibility/2006" xmlns:mv="urn:schemas-microsoft-com:mac:vml" xmlns:p="http://schemas.openxmlformats.org/presentationml/2006/main" xmlns:c="http://schemas.openxmlformats.org/drawingml/2006/chart" xmlns:dgm="http://schemas.openxmlformats.org/drawingml/2006/diagram" xmlns:o="urn:schemas-microsoft-com:office:office" xmlns:v="urn:schemas-microsoft-com:vml" xmlns:pvml="urn:schemas-microsoft-com:office:powerpoint" xmlns:com="http://schemas.openxmlformats.org/drawingml/2006/compatibility" xmlns:p14="http://schemas.microsoft.com/office/powerpoint/2010/main" xmlns:p15="http://schemas.microsoft.com/office/powerpoint/2012/main" xmlns:ahyp="http://schemas.microsoft.com/office/drawing/2018/hyperlinkcolor" showMasterPhAnim="0" showMasterSp="0">
+  <p:cSld>
+    <p:spTree>
+      <p:nvGrpSpPr>
+        <p:cNvPr id="193" name="Shape 193"/>
+        <p:cNvGrpSpPr/>
+        <p:nvPr/>
+      </p:nvGrpSpPr>
+      <p:grpSpPr>
+        <a:xfrm>
+          <a:off x="0" y="0"/>
+          <a:ext cx="0" cy="0"/>
+          <a:chOff x="0" y="0"/>
+          <a:chExt cx="0" cy="0"/>
+        </a:xfrm>
+      </p:grpSpPr>
+      <p:sp>
+        <p:nvSpPr>
+          <p:cNvPr id="194" name="Google Shape;194;p5:notes"/>
           <p:cNvSpPr txBox="1"/>
           <p:nvPr>
             <p:ph idx="1" type="body"/>
@@ -1597,7 +2318,106 @@
       </p:sp>
       <p:sp>
         <p:nvSpPr>
-          <p:cNvPr id="156" name="Google Shape;156;p6:notes"/>
+          <p:cNvPr id="195" name="Google Shape;195;p5:notes"/>
+          <p:cNvSpPr/>
+          <p:nvPr>
+            <p:ph idx="2" type="sldImg"/>
+          </p:nvPr>
+        </p:nvSpPr>
+        <p:spPr>
+          <a:xfrm>
+            <a:off x="1257300" y="720725"/>
+            <a:ext cx="4800600" cy="3600450"/>
+          </a:xfrm>
+          <a:custGeom>
+            <a:rect b="b" l="l" r="r" t="t"/>
+            <a:pathLst>
+              <a:path extrusionOk="0" h="120000" w="120000">
+                <a:moveTo>
+                  <a:pt x="0" y="0"/>
+                </a:moveTo>
+                <a:lnTo>
+                  <a:pt x="120000" y="0"/>
+                </a:lnTo>
+                <a:lnTo>
+                  <a:pt x="120000" y="120000"/>
+                </a:lnTo>
+                <a:lnTo>
+                  <a:pt x="0" y="120000"/>
+                </a:lnTo>
+                <a:close/>
+              </a:path>
+            </a:pathLst>
+          </a:custGeom>
+        </p:spPr>
+      </p:sp>
+    </p:spTree>
+  </p:cSld>
+  <p:clrMapOvr>
+    <a:masterClrMapping/>
+  </p:clrMapOvr>
+</p:notes>
+</file>
+
+<file path=ppt/notesSlides/notesSlide16.xml><?xml version="1.0" encoding="utf-8"?>
+<p:notes xmlns:a="http://schemas.openxmlformats.org/drawingml/2006/main" xmlns:r="http://schemas.openxmlformats.org/officeDocument/2006/relationships" xmlns:mc="http://schemas.openxmlformats.org/markup-compatibility/2006" xmlns:mv="urn:schemas-microsoft-com:mac:vml" xmlns:p="http://schemas.openxmlformats.org/presentationml/2006/main" xmlns:c="http://schemas.openxmlformats.org/drawingml/2006/chart" xmlns:dgm="http://schemas.openxmlformats.org/drawingml/2006/diagram" xmlns:o="urn:schemas-microsoft-com:office:office" xmlns:v="urn:schemas-microsoft-com:vml" xmlns:pvml="urn:schemas-microsoft-com:office:powerpoint" xmlns:com="http://schemas.openxmlformats.org/drawingml/2006/compatibility" xmlns:p14="http://schemas.microsoft.com/office/powerpoint/2010/main" xmlns:p15="http://schemas.microsoft.com/office/powerpoint/2012/main" xmlns:ahyp="http://schemas.microsoft.com/office/drawing/2018/hyperlinkcolor" showMasterPhAnim="0" showMasterSp="0">
+  <p:cSld>
+    <p:spTree>
+      <p:nvGrpSpPr>
+        <p:cNvPr id="203" name="Shape 203"/>
+        <p:cNvGrpSpPr/>
+        <p:nvPr/>
+      </p:nvGrpSpPr>
+      <p:grpSpPr>
+        <a:xfrm>
+          <a:off x="0" y="0"/>
+          <a:ext cx="0" cy="0"/>
+          <a:chOff x="0" y="0"/>
+          <a:chExt cx="0" cy="0"/>
+        </a:xfrm>
+      </p:grpSpPr>
+      <p:sp>
+        <p:nvSpPr>
+          <p:cNvPr id="204" name="Google Shape;204;p6:notes"/>
+          <p:cNvSpPr txBox="1"/>
+          <p:nvPr>
+            <p:ph idx="1" type="body"/>
+          </p:nvPr>
+        </p:nvSpPr>
+        <p:spPr>
+          <a:xfrm>
+            <a:off x="731520" y="4560570"/>
+            <a:ext cx="5852160" cy="4320540"/>
+          </a:xfrm>
+          <a:prstGeom prst="rect">
+            <a:avLst/>
+          </a:prstGeom>
+        </p:spPr>
+        <p:txBody>
+          <a:bodyPr anchorCtr="0" anchor="t" bIns="45225" lIns="90450" spcFirstLastPara="1" rIns="90450" wrap="square" tIns="45225">
+            <a:noAutofit/>
+          </a:bodyPr>
+          <a:lstStyle/>
+          <a:p>
+            <a:pPr indent="0" lvl="0" marL="0" rtl="0" algn="l">
+              <a:spcBef>
+                <a:spcPts val="0"/>
+              </a:spcBef>
+              <a:spcAft>
+                <a:spcPts val="0"/>
+              </a:spcAft>
+              <a:buNone/>
+            </a:pPr>
+            <a:r>
+              <a:t/>
+            </a:r>
+            <a:endParaRPr/>
+          </a:p>
+        </p:txBody>
+      </p:sp>
+      <p:sp>
+        <p:nvSpPr>
+          <p:cNvPr id="205" name="Google Shape;205;p6:notes"/>
           <p:cNvSpPr/>
           <p:nvPr>
             <p:ph idx="2" type="sldImg"/>
@@ -2369,7 +3189,7 @@
   <p:cSld>
     <p:spTree>
       <p:nvGrpSpPr>
-        <p:cNvPr id="136" name="Shape 136"/>
+        <p:cNvPr id="137" name="Shape 137"/>
         <p:cNvGrpSpPr/>
         <p:nvPr/>
       </p:nvGrpSpPr>
@@ -2383,7 +3203,7 @@
       </p:grpSpPr>
       <p:sp>
         <p:nvSpPr>
-          <p:cNvPr id="137" name="Google Shape;137;gf4ed930811_0_7:notes"/>
+          <p:cNvPr id="138" name="Google Shape;138;gf6106cedff_0_0:notes"/>
           <p:cNvSpPr/>
           <p:nvPr>
             <p:ph idx="2" type="sldImg"/>
@@ -2418,7 +3238,7 @@
       </p:sp>
       <p:sp>
         <p:nvSpPr>
-          <p:cNvPr id="138" name="Google Shape;138;gf4ed930811_0_7:notes"/>
+          <p:cNvPr id="139" name="Google Shape;139;gf6106cedff_0_0:notes"/>
           <p:cNvSpPr txBox="1"/>
           <p:nvPr>
             <p:ph idx="1" type="body"/>
@@ -2457,7 +3277,7 @@
       </p:sp>
       <p:sp>
         <p:nvSpPr>
-          <p:cNvPr id="139" name="Google Shape;139;gf4ed930811_0_7:notes"/>
+          <p:cNvPr id="140" name="Google Shape;140;gf6106cedff_0_0:notes"/>
           <p:cNvSpPr txBox="1"/>
           <p:nvPr>
             <p:ph idx="12" type="sldNum"/>
@@ -2512,7 +3332,7 @@
   <p:cSld>
     <p:spTree>
       <p:nvGrpSpPr>
-        <p:cNvPr id="144" name="Shape 144"/>
+        <p:cNvPr id="145" name="Shape 145"/>
         <p:cNvGrpSpPr/>
         <p:nvPr/>
       </p:nvGrpSpPr>
@@ -2526,46 +3346,7 @@
       </p:grpSpPr>
       <p:sp>
         <p:nvSpPr>
-          <p:cNvPr id="145" name="Google Shape;145;p5:notes"/>
-          <p:cNvSpPr txBox="1"/>
-          <p:nvPr>
-            <p:ph idx="1" type="body"/>
-          </p:nvPr>
-        </p:nvSpPr>
-        <p:spPr>
-          <a:xfrm>
-            <a:off x="731520" y="4560570"/>
-            <a:ext cx="5852160" cy="4320540"/>
-          </a:xfrm>
-          <a:prstGeom prst="rect">
-            <a:avLst/>
-          </a:prstGeom>
-        </p:spPr>
-        <p:txBody>
-          <a:bodyPr anchorCtr="0" anchor="t" bIns="45225" lIns="90450" spcFirstLastPara="1" rIns="90450" wrap="square" tIns="45225">
-            <a:noAutofit/>
-          </a:bodyPr>
-          <a:lstStyle/>
-          <a:p>
-            <a:pPr indent="0" lvl="0" marL="0" rtl="0" algn="l">
-              <a:spcBef>
-                <a:spcPts val="0"/>
-              </a:spcBef>
-              <a:spcAft>
-                <a:spcPts val="0"/>
-              </a:spcAft>
-              <a:buNone/>
-            </a:pPr>
-            <a:r>
-              <a:t/>
-            </a:r>
-            <a:endParaRPr/>
-          </a:p>
-        </p:txBody>
-      </p:sp>
-      <p:sp>
-        <p:nvSpPr>
-          <p:cNvPr id="146" name="Google Shape;146;p5:notes"/>
+          <p:cNvPr id="146" name="Google Shape;146;gf4ed930811_0_7:notes"/>
           <p:cNvSpPr/>
           <p:nvPr>
             <p:ph idx="2" type="sldImg"/>
@@ -2574,7 +3355,7 @@
         <p:spPr>
           <a:xfrm>
             <a:off x="1257300" y="720725"/>
-            <a:ext cx="4800600" cy="3600450"/>
+            <a:ext cx="4800600" cy="3600600"/>
           </a:xfrm>
           <a:custGeom>
             <a:rect b="b" l="l" r="r" t="t"/>
@@ -2597,6 +3378,89 @@
             </a:pathLst>
           </a:custGeom>
         </p:spPr>
+      </p:sp>
+      <p:sp>
+        <p:nvSpPr>
+          <p:cNvPr id="147" name="Google Shape;147;gf4ed930811_0_7:notes"/>
+          <p:cNvSpPr txBox="1"/>
+          <p:nvPr>
+            <p:ph idx="1" type="body"/>
+          </p:nvPr>
+        </p:nvSpPr>
+        <p:spPr>
+          <a:xfrm>
+            <a:off x="731520" y="4560570"/>
+            <a:ext cx="5852100" cy="4320600"/>
+          </a:xfrm>
+          <a:prstGeom prst="rect">
+            <a:avLst/>
+          </a:prstGeom>
+        </p:spPr>
+        <p:txBody>
+          <a:bodyPr anchorCtr="0" anchor="t" bIns="45225" lIns="90450" spcFirstLastPara="1" rIns="90450" wrap="square" tIns="45225">
+            <a:noAutofit/>
+          </a:bodyPr>
+          <a:lstStyle/>
+          <a:p>
+            <a:pPr indent="0" lvl="0" marL="0" rtl="0" algn="l">
+              <a:spcBef>
+                <a:spcPts val="0"/>
+              </a:spcBef>
+              <a:spcAft>
+                <a:spcPts val="0"/>
+              </a:spcAft>
+              <a:buNone/>
+            </a:pPr>
+            <a:r>
+              <a:t/>
+            </a:r>
+            <a:endParaRPr/>
+          </a:p>
+        </p:txBody>
+      </p:sp>
+      <p:sp>
+        <p:nvSpPr>
+          <p:cNvPr id="148" name="Google Shape;148;gf4ed930811_0_7:notes"/>
+          <p:cNvSpPr txBox="1"/>
+          <p:nvPr>
+            <p:ph idx="12" type="sldNum"/>
+          </p:nvPr>
+        </p:nvSpPr>
+        <p:spPr>
+          <a:xfrm>
+            <a:off x="4143590" y="9119474"/>
+            <a:ext cx="3169800" cy="480000"/>
+          </a:xfrm>
+          <a:prstGeom prst="rect">
+            <a:avLst/>
+          </a:prstGeom>
+        </p:spPr>
+        <p:txBody>
+          <a:bodyPr anchorCtr="0" anchor="b" bIns="45225" lIns="90450" spcFirstLastPara="1" rIns="90450" wrap="square" tIns="45225">
+            <a:noAutofit/>
+          </a:bodyPr>
+          <a:lstStyle/>
+          <a:p>
+            <a:pPr indent="0" lvl="0" marL="0" rtl="0" algn="r">
+              <a:spcBef>
+                <a:spcPts val="0"/>
+              </a:spcBef>
+              <a:spcAft>
+                <a:spcPts val="0"/>
+              </a:spcAft>
+              <a:buClr>
+                <a:srgbClr val="000000"/>
+              </a:buClr>
+              <a:buFont typeface="Arial"/>
+              <a:buNone/>
+            </a:pPr>
+            <a:fld id="{00000000-1234-1234-1234-123412341234}" type="slidenum">
+              <a:rPr lang="en-HK"/>
+              <a:t>‹#›</a:t>
+            </a:fld>
+            <a:endParaRPr/>
+          </a:p>
+        </p:txBody>
       </p:sp>
     </p:spTree>
   </p:cSld>
@@ -12485,7 +13349,1699 @@
       </p:grpSpPr>
       <p:sp>
         <p:nvSpPr>
-          <p:cNvPr id="158" name="Google Shape;158;p6"/>
+          <p:cNvPr id="158" name="Google Shape;158;gf7b50f721a_0_0"/>
+          <p:cNvSpPr txBox="1"/>
+          <p:nvPr>
+            <p:ph type="title"/>
+          </p:nvPr>
+        </p:nvSpPr>
+        <p:spPr>
+          <a:xfrm>
+            <a:off x="457200" y="274638"/>
+            <a:ext cx="8229600" cy="1143000"/>
+          </a:xfrm>
+          <a:prstGeom prst="rect">
+            <a:avLst/>
+          </a:prstGeom>
+        </p:spPr>
+        <p:txBody>
+          <a:bodyPr anchorCtr="0" anchor="ctr" bIns="45700" lIns="91425" spcFirstLastPara="1" rIns="91425" wrap="square" tIns="45700">
+            <a:normAutofit/>
+          </a:bodyPr>
+          <a:lstStyle/>
+          <a:p>
+            <a:pPr indent="0" lvl="0" marL="0" rtl="0" algn="l">
+              <a:spcBef>
+                <a:spcPts val="0"/>
+              </a:spcBef>
+              <a:spcAft>
+                <a:spcPts val="0"/>
+              </a:spcAft>
+              <a:buNone/>
+            </a:pPr>
+            <a:r>
+              <a:rPr lang="en-HK" sz="3000">
+                <a:solidFill>
+                  <a:srgbClr val="073763"/>
+                </a:solidFill>
+              </a:rPr>
+              <a:t>Entity based on Anchor Dictionaries and Web Graph</a:t>
+            </a:r>
+            <a:endParaRPr sz="3300"/>
+          </a:p>
+        </p:txBody>
+      </p:sp>
+      <p:sp>
+        <p:nvSpPr>
+          <p:cNvPr id="159" name="Google Shape;159;gf7b50f721a_0_0"/>
+          <p:cNvSpPr txBox="1"/>
+          <p:nvPr>
+            <p:ph idx="1" type="body"/>
+          </p:nvPr>
+        </p:nvSpPr>
+        <p:spPr>
+          <a:xfrm>
+            <a:off x="457200" y="1600200"/>
+            <a:ext cx="8229600" cy="4526100"/>
+          </a:xfrm>
+          <a:prstGeom prst="rect">
+            <a:avLst/>
+          </a:prstGeom>
+        </p:spPr>
+        <p:txBody>
+          <a:bodyPr anchorCtr="0" anchor="t" bIns="45700" lIns="91425" spcFirstLastPara="1" rIns="91425" wrap="square" tIns="45700">
+            <a:normAutofit/>
+          </a:bodyPr>
+          <a:lstStyle/>
+          <a:p>
+            <a:pPr indent="-330200" lvl="0" marL="457200" rtl="0" algn="l">
+              <a:spcBef>
+                <a:spcPts val="360"/>
+              </a:spcBef>
+              <a:spcAft>
+                <a:spcPts val="0"/>
+              </a:spcAft>
+              <a:buSzPts val="1600"/>
+              <a:buFont typeface="Calibri"/>
+              <a:buChar char="●"/>
+            </a:pPr>
+            <a:r>
+              <a:rPr lang="en-HK" sz="2400"/>
+              <a:t>A classic </a:t>
+            </a:r>
+            <a:r>
+              <a:rPr lang="en-HK" sz="2400"/>
+              <a:t>baseline</a:t>
+            </a:r>
+            <a:r>
+              <a:rPr lang="en-HK" sz="2400"/>
+              <a:t> the </a:t>
+            </a:r>
+            <a:r>
+              <a:rPr b="1" lang="en-HK" sz="2400"/>
+              <a:t>TAGME</a:t>
+            </a:r>
+            <a:r>
+              <a:rPr lang="en-HK" sz="2400"/>
+              <a:t> algorithm to use anchor dictionaries and information from the Wikipedia graph structure</a:t>
+            </a:r>
+            <a:endParaRPr sz="2400"/>
+          </a:p>
+          <a:p>
+            <a:pPr indent="-330200" lvl="0" marL="457200" rtl="0" algn="l">
+              <a:spcBef>
+                <a:spcPts val="0"/>
+              </a:spcBef>
+              <a:spcAft>
+                <a:spcPts val="0"/>
+              </a:spcAft>
+              <a:buSzPts val="1600"/>
+              <a:buFont typeface="Calibri"/>
+              <a:buChar char="●"/>
+            </a:pPr>
+            <a:r>
+              <a:rPr lang="en-HK" sz="2400"/>
+              <a:t>The</a:t>
+            </a:r>
+            <a:r>
+              <a:rPr b="1" lang="en-HK" sz="2400"/>
+              <a:t> </a:t>
+            </a:r>
+            <a:r>
+              <a:rPr b="1" lang="en-HK" sz="2400"/>
+              <a:t>TAGME</a:t>
+            </a:r>
+            <a:r>
+              <a:rPr lang="en-HK" sz="2400"/>
+              <a:t> algorithm defines the set of entities as the set of Wikipedia pages </a:t>
+            </a:r>
+            <a:endParaRPr sz="2400"/>
+          </a:p>
+          <a:p>
+            <a:pPr indent="-330200" lvl="1" marL="914400" rtl="0" algn="l">
+              <a:spcBef>
+                <a:spcPts val="0"/>
+              </a:spcBef>
+              <a:spcAft>
+                <a:spcPts val="0"/>
+              </a:spcAft>
+              <a:buSzPts val="1600"/>
+              <a:buFont typeface="Calibri"/>
+              <a:buChar char="○"/>
+            </a:pPr>
+            <a:r>
+              <a:rPr lang="en-HK" sz="2400"/>
+              <a:t>each Wikipedia page as a unique entity </a:t>
+            </a:r>
+            <a:r>
+              <a:rPr i="1" lang="en-HK"/>
+              <a:t>e</a:t>
+            </a:r>
+            <a:endParaRPr i="1"/>
+          </a:p>
+          <a:p>
+            <a:pPr indent="-330200" lvl="1" marL="914400" rtl="0" algn="l">
+              <a:spcBef>
+                <a:spcPts val="0"/>
+              </a:spcBef>
+              <a:spcAft>
+                <a:spcPts val="0"/>
+              </a:spcAft>
+              <a:buSzPts val="1600"/>
+              <a:buFont typeface="Calibri"/>
+              <a:buChar char="○"/>
+            </a:pPr>
+            <a:r>
+              <a:rPr lang="en-HK" sz="2400"/>
+              <a:t>the total number of in-links </a:t>
+            </a:r>
+            <a:r>
+              <a:rPr i="1" lang="en-HK"/>
+              <a:t>in(e)</a:t>
+            </a:r>
+            <a:r>
+              <a:rPr b="1" lang="en-HK"/>
+              <a:t> </a:t>
+            </a:r>
+            <a:r>
+              <a:rPr lang="en-HK" sz="2400"/>
+              <a:t>from other Wikipedia pages that point to </a:t>
+            </a:r>
+            <a:r>
+              <a:rPr i="1" lang="en-HK"/>
+              <a:t>e</a:t>
+            </a:r>
+            <a:endParaRPr i="1" sz="2400"/>
+          </a:p>
+          <a:p>
+            <a:pPr indent="-330200" lvl="1" marL="914400" rtl="0" algn="l">
+              <a:spcBef>
+                <a:spcPts val="0"/>
+              </a:spcBef>
+              <a:spcAft>
+                <a:spcPts val="0"/>
+              </a:spcAft>
+              <a:buSzPts val="1600"/>
+              <a:buFont typeface="Calibri"/>
+              <a:buChar char="○"/>
+            </a:pPr>
+            <a:r>
+              <a:rPr lang="en-HK" sz="2400"/>
+              <a:t>an anchor dictionary lists its anchor texts </a:t>
+            </a:r>
+            <a:r>
+              <a:rPr i="1" lang="en-HK"/>
+              <a:t>a</a:t>
+            </a:r>
+            <a:r>
+              <a:rPr lang="en-HK" sz="2400"/>
+              <a:t> for each Wikipedia page </a:t>
+            </a:r>
+            <a:r>
+              <a:rPr i="1" lang="en-HK"/>
+              <a:t>e</a:t>
+            </a:r>
+            <a:r>
+              <a:rPr lang="en-HK" sz="2400"/>
+              <a:t> </a:t>
+            </a:r>
+            <a:endParaRPr b="1" sz="2400"/>
+          </a:p>
+        </p:txBody>
+      </p:sp>
+      <p:sp>
+        <p:nvSpPr>
+          <p:cNvPr id="160" name="Google Shape;160;gf7b50f721a_0_0"/>
+          <p:cNvSpPr txBox="1"/>
+          <p:nvPr>
+            <p:ph idx="12" type="sldNum"/>
+          </p:nvPr>
+        </p:nvSpPr>
+        <p:spPr>
+          <a:xfrm>
+            <a:off x="6553200" y="6356350"/>
+            <a:ext cx="2133600" cy="365100"/>
+          </a:xfrm>
+          <a:prstGeom prst="rect">
+            <a:avLst/>
+          </a:prstGeom>
+        </p:spPr>
+        <p:txBody>
+          <a:bodyPr anchorCtr="0" anchor="ctr" bIns="45700" lIns="91425" spcFirstLastPara="1" rIns="91425" wrap="square" tIns="45700">
+            <a:noAutofit/>
+          </a:bodyPr>
+          <a:lstStyle/>
+          <a:p>
+            <a:pPr indent="0" lvl="0" marL="0" rtl="0" algn="r">
+              <a:spcBef>
+                <a:spcPts val="0"/>
+              </a:spcBef>
+              <a:spcAft>
+                <a:spcPts val="0"/>
+              </a:spcAft>
+              <a:buClr>
+                <a:srgbClr val="000000"/>
+              </a:buClr>
+              <a:buFont typeface="Arial"/>
+              <a:buNone/>
+            </a:pPr>
+            <a:fld id="{00000000-1234-1234-1234-123412341234}" type="slidenum">
+              <a:rPr lang="en-HK"/>
+              <a:t>‹#›</a:t>
+            </a:fld>
+            <a:endParaRPr/>
+          </a:p>
+        </p:txBody>
+      </p:sp>
+    </p:spTree>
+  </p:cSld>
+  <p:clrMapOvr>
+    <a:masterClrMapping/>
+  </p:clrMapOvr>
+</p:sld>
+</file>
+
+<file path=ppt/slides/slide11.xml><?xml version="1.0" encoding="utf-8"?>
+<p:sld xmlns:a="http://schemas.openxmlformats.org/drawingml/2006/main" xmlns:r="http://schemas.openxmlformats.org/officeDocument/2006/relationships" xmlns:mc="http://schemas.openxmlformats.org/markup-compatibility/2006" xmlns:mv="urn:schemas-microsoft-com:mac:vml" xmlns:p="http://schemas.openxmlformats.org/presentationml/2006/main" xmlns:c="http://schemas.openxmlformats.org/drawingml/2006/chart" xmlns:dgm="http://schemas.openxmlformats.org/drawingml/2006/diagram" xmlns:o="urn:schemas-microsoft-com:office:office" xmlns:v="urn:schemas-microsoft-com:vml" xmlns:pvml="urn:schemas-microsoft-com:office:powerpoint" xmlns:com="http://schemas.openxmlformats.org/drawingml/2006/compatibility" xmlns:p14="http://schemas.microsoft.com/office/powerpoint/2010/main" xmlns:p15="http://schemas.microsoft.com/office/powerpoint/2012/main" xmlns:ahyp="http://schemas.microsoft.com/office/drawing/2018/hyperlinkcolor">
+  <p:cSld>
+    <p:spTree>
+      <p:nvGrpSpPr>
+        <p:cNvPr id="165" name="Shape 165"/>
+        <p:cNvGrpSpPr/>
+        <p:nvPr/>
+      </p:nvGrpSpPr>
+      <p:grpSpPr>
+        <a:xfrm>
+          <a:off x="0" y="0"/>
+          <a:ext cx="0" cy="0"/>
+          <a:chOff x="0" y="0"/>
+          <a:chExt cx="0" cy="0"/>
+        </a:xfrm>
+      </p:grpSpPr>
+      <p:sp>
+        <p:nvSpPr>
+          <p:cNvPr id="166" name="Google Shape;166;gf6c6352470_0_0"/>
+          <p:cNvSpPr txBox="1"/>
+          <p:nvPr>
+            <p:ph type="title"/>
+          </p:nvPr>
+        </p:nvSpPr>
+        <p:spPr>
+          <a:xfrm>
+            <a:off x="457200" y="274638"/>
+            <a:ext cx="8229600" cy="1143000"/>
+          </a:xfrm>
+          <a:prstGeom prst="rect">
+            <a:avLst/>
+          </a:prstGeom>
+        </p:spPr>
+        <p:txBody>
+          <a:bodyPr anchorCtr="0" anchor="ctr" bIns="45700" lIns="91425" spcFirstLastPara="1" rIns="91425" wrap="square" tIns="45700">
+            <a:normAutofit/>
+          </a:bodyPr>
+          <a:lstStyle/>
+          <a:p>
+            <a:pPr indent="0" lvl="0" marL="0" rtl="0" algn="l">
+              <a:spcBef>
+                <a:spcPts val="360"/>
+              </a:spcBef>
+              <a:spcAft>
+                <a:spcPts val="0"/>
+              </a:spcAft>
+              <a:buNone/>
+            </a:pPr>
+            <a:r>
+              <a:rPr lang="en-HK" sz="3000">
+                <a:solidFill>
+                  <a:srgbClr val="073763"/>
+                </a:solidFill>
+              </a:rPr>
+              <a:t>The</a:t>
+            </a:r>
+            <a:r>
+              <a:rPr b="1" lang="en-HK" sz="3000">
+                <a:solidFill>
+                  <a:srgbClr val="073763"/>
+                </a:solidFill>
+              </a:rPr>
+              <a:t> </a:t>
+            </a:r>
+            <a:r>
+              <a:rPr lang="en-HK" sz="3000">
+                <a:solidFill>
+                  <a:srgbClr val="073763"/>
+                </a:solidFill>
+              </a:rPr>
+              <a:t>TAGME algorithm</a:t>
+            </a:r>
+            <a:endParaRPr sz="3000">
+              <a:solidFill>
+                <a:srgbClr val="073763"/>
+              </a:solidFill>
+            </a:endParaRPr>
+          </a:p>
+        </p:txBody>
+      </p:sp>
+      <p:sp>
+        <p:nvSpPr>
+          <p:cNvPr id="167" name="Google Shape;167;gf6c6352470_0_0"/>
+          <p:cNvSpPr txBox="1"/>
+          <p:nvPr>
+            <p:ph idx="1" type="body"/>
+          </p:nvPr>
+        </p:nvSpPr>
+        <p:spPr>
+          <a:xfrm>
+            <a:off x="457200" y="1600200"/>
+            <a:ext cx="8229600" cy="4526100"/>
+          </a:xfrm>
+          <a:prstGeom prst="rect">
+            <a:avLst/>
+          </a:prstGeom>
+        </p:spPr>
+        <p:txBody>
+          <a:bodyPr anchorCtr="0" anchor="t" bIns="45700" lIns="91425" spcFirstLastPara="1" rIns="91425" wrap="square" tIns="45700">
+            <a:normAutofit/>
+          </a:bodyPr>
+          <a:lstStyle/>
+          <a:p>
+            <a:pPr indent="-330200" lvl="0" marL="457200" rtl="0" algn="l">
+              <a:spcBef>
+                <a:spcPts val="360"/>
+              </a:spcBef>
+              <a:spcAft>
+                <a:spcPts val="0"/>
+              </a:spcAft>
+              <a:buSzPts val="1600"/>
+              <a:buFont typeface="Calibri"/>
+              <a:buChar char="●"/>
+            </a:pPr>
+            <a:r>
+              <a:rPr lang="en-HK" sz="2400"/>
+              <a:t>the 1st stage: entity mention detection</a:t>
+            </a:r>
+            <a:endParaRPr sz="2400"/>
+          </a:p>
+          <a:p>
+            <a:pPr indent="-330200" lvl="1" marL="1371600" rtl="0" algn="l">
+              <a:spcBef>
+                <a:spcPts val="0"/>
+              </a:spcBef>
+              <a:spcAft>
+                <a:spcPts val="0"/>
+              </a:spcAft>
+              <a:buSzPts val="1600"/>
+              <a:buChar char="○"/>
+            </a:pPr>
+            <a:r>
+              <a:rPr lang="en-HK" sz="2400"/>
+              <a:t>Given a question, TAGME detections by querying the anchor dictionary for each token; the large set of sequences is pruned with some simple heuristics </a:t>
+            </a:r>
+            <a:endParaRPr sz="2400"/>
+          </a:p>
+          <a:p>
+            <a:pPr indent="-330200" lvl="1" marL="1371600" rtl="0" algn="l">
+              <a:spcBef>
+                <a:spcPts val="0"/>
+              </a:spcBef>
+              <a:spcAft>
+                <a:spcPts val="0"/>
+              </a:spcAft>
+              <a:buSzPts val="1600"/>
+              <a:buChar char="○"/>
+            </a:pPr>
+            <a:r>
+              <a:rPr lang="en-HK" sz="2400"/>
+              <a:t>E.g.  a Question like “</a:t>
+            </a:r>
+            <a:r>
+              <a:rPr i="1" lang="en-HK" sz="2400"/>
+              <a:t>When was Ada Lovelace born</a:t>
+            </a:r>
+            <a:r>
+              <a:rPr lang="en-HK" sz="2400"/>
+              <a:t>?”, might cause the anchor </a:t>
+            </a:r>
+            <a:r>
+              <a:rPr i="1" lang="en-HK" sz="2400"/>
+              <a:t>Ada Lovelace</a:t>
+            </a:r>
+            <a:r>
+              <a:rPr lang="en-HK" sz="2400"/>
+              <a:t> or </a:t>
+            </a:r>
+            <a:r>
+              <a:rPr i="1" lang="en-HK" sz="2400"/>
+              <a:t>Ada</a:t>
+            </a:r>
+            <a:r>
+              <a:rPr lang="en-HK" sz="2400"/>
+              <a:t>, but substrings spans like </a:t>
+            </a:r>
+            <a:r>
+              <a:rPr i="1" lang="en-HK" sz="2400"/>
+              <a:t>Lovelace</a:t>
+            </a:r>
+            <a:r>
+              <a:rPr lang="en-HK" sz="2400"/>
+              <a:t> might be pruned as having too low a linkprob</a:t>
+            </a:r>
+            <a:endParaRPr sz="2400"/>
+          </a:p>
+          <a:p>
+            <a:pPr indent="-330200" lvl="0" marL="457200" rtl="0" algn="l">
+              <a:spcBef>
+                <a:spcPts val="0"/>
+              </a:spcBef>
+              <a:spcAft>
+                <a:spcPts val="0"/>
+              </a:spcAft>
+              <a:buSzPts val="1600"/>
+              <a:buChar char="●"/>
+            </a:pPr>
+            <a:r>
+              <a:rPr lang="en-HK" sz="2400"/>
+              <a:t>the 2nd stage: entity mention disambiguation</a:t>
+            </a:r>
+            <a:endParaRPr sz="2400"/>
+          </a:p>
+          <a:p>
+            <a:pPr indent="-330200" lvl="1" marL="1371600" rtl="0" algn="l">
+              <a:spcBef>
+                <a:spcPts val="0"/>
+              </a:spcBef>
+              <a:spcAft>
+                <a:spcPts val="0"/>
+              </a:spcAft>
+              <a:buSzPts val="1600"/>
+              <a:buChar char="○"/>
+            </a:pPr>
+            <a:r>
+              <a:rPr lang="en-HK" sz="2400"/>
+              <a:t>TAGME uses </a:t>
+            </a:r>
+            <a:r>
+              <a:rPr i="1" lang="en-HK" sz="2400"/>
+              <a:t>prior probability</a:t>
+            </a:r>
+            <a:r>
+              <a:rPr lang="en-HK" sz="2400"/>
+              <a:t> and </a:t>
+            </a:r>
+            <a:r>
+              <a:rPr i="1" lang="en-HK" sz="2400"/>
+              <a:t>relatedness/coherence</a:t>
+            </a:r>
+            <a:r>
+              <a:rPr lang="en-HK" sz="2400"/>
+              <a:t> for disambiguating ambiguous spans</a:t>
+            </a:r>
+            <a:endParaRPr sz="2400"/>
+          </a:p>
+        </p:txBody>
+      </p:sp>
+      <p:sp>
+        <p:nvSpPr>
+          <p:cNvPr id="168" name="Google Shape;168;gf6c6352470_0_0"/>
+          <p:cNvSpPr txBox="1"/>
+          <p:nvPr>
+            <p:ph idx="12" type="sldNum"/>
+          </p:nvPr>
+        </p:nvSpPr>
+        <p:spPr>
+          <a:xfrm>
+            <a:off x="6553200" y="6356350"/>
+            <a:ext cx="2133600" cy="365100"/>
+          </a:xfrm>
+          <a:prstGeom prst="rect">
+            <a:avLst/>
+          </a:prstGeom>
+        </p:spPr>
+        <p:txBody>
+          <a:bodyPr anchorCtr="0" anchor="ctr" bIns="45700" lIns="91425" spcFirstLastPara="1" rIns="91425" wrap="square" tIns="45700">
+            <a:noAutofit/>
+          </a:bodyPr>
+          <a:lstStyle/>
+          <a:p>
+            <a:pPr indent="0" lvl="0" marL="0" rtl="0" algn="r">
+              <a:spcBef>
+                <a:spcPts val="0"/>
+              </a:spcBef>
+              <a:spcAft>
+                <a:spcPts val="0"/>
+              </a:spcAft>
+              <a:buClr>
+                <a:srgbClr val="000000"/>
+              </a:buClr>
+              <a:buFont typeface="Arial"/>
+              <a:buNone/>
+            </a:pPr>
+            <a:fld id="{00000000-1234-1234-1234-123412341234}" type="slidenum">
+              <a:rPr lang="en-HK"/>
+              <a:t>‹#›</a:t>
+            </a:fld>
+            <a:endParaRPr/>
+          </a:p>
+        </p:txBody>
+      </p:sp>
+    </p:spTree>
+  </p:cSld>
+  <p:clrMapOvr>
+    <a:masterClrMapping/>
+  </p:clrMapOvr>
+</p:sld>
+</file>
+
+<file path=ppt/slides/slide12.xml><?xml version="1.0" encoding="utf-8"?>
+<p:sld xmlns:a="http://schemas.openxmlformats.org/drawingml/2006/main" xmlns:r="http://schemas.openxmlformats.org/officeDocument/2006/relationships" xmlns:mc="http://schemas.openxmlformats.org/markup-compatibility/2006" xmlns:mv="urn:schemas-microsoft-com:mac:vml" xmlns:p="http://schemas.openxmlformats.org/presentationml/2006/main" xmlns:c="http://schemas.openxmlformats.org/drawingml/2006/chart" xmlns:dgm="http://schemas.openxmlformats.org/drawingml/2006/diagram" xmlns:o="urn:schemas-microsoft-com:office:office" xmlns:v="urn:schemas-microsoft-com:vml" xmlns:pvml="urn:schemas-microsoft-com:office:powerpoint" xmlns:com="http://schemas.openxmlformats.org/drawingml/2006/compatibility" xmlns:p14="http://schemas.microsoft.com/office/powerpoint/2010/main" xmlns:p15="http://schemas.microsoft.com/office/powerpoint/2012/main" xmlns:ahyp="http://schemas.microsoft.com/office/drawing/2018/hyperlinkcolor">
+  <p:cSld>
+    <p:spTree>
+      <p:nvGrpSpPr>
+        <p:cNvPr id="173" name="Shape 173"/>
+        <p:cNvGrpSpPr/>
+        <p:nvPr/>
+      </p:nvGrpSpPr>
+      <p:grpSpPr>
+        <a:xfrm>
+          <a:off x="0" y="0"/>
+          <a:ext cx="0" cy="0"/>
+          <a:chOff x="0" y="0"/>
+          <a:chExt cx="0" cy="0"/>
+        </a:xfrm>
+      </p:grpSpPr>
+      <p:sp>
+        <p:nvSpPr>
+          <p:cNvPr id="174" name="Google Shape;174;gf918c11ff1_0_0"/>
+          <p:cNvSpPr txBox="1"/>
+          <p:nvPr>
+            <p:ph type="title"/>
+          </p:nvPr>
+        </p:nvSpPr>
+        <p:spPr>
+          <a:xfrm>
+            <a:off x="457200" y="274638"/>
+            <a:ext cx="8229600" cy="1143000"/>
+          </a:xfrm>
+          <a:prstGeom prst="rect">
+            <a:avLst/>
+          </a:prstGeom>
+        </p:spPr>
+        <p:txBody>
+          <a:bodyPr anchorCtr="0" anchor="ctr" bIns="45700" lIns="91425" spcFirstLastPara="1" rIns="91425" wrap="square" tIns="45700">
+            <a:normAutofit/>
+          </a:bodyPr>
+          <a:lstStyle/>
+          <a:p>
+            <a:pPr indent="0" lvl="0" marL="0" rtl="0" algn="l">
+              <a:spcBef>
+                <a:spcPts val="360"/>
+              </a:spcBef>
+              <a:spcAft>
+                <a:spcPts val="0"/>
+              </a:spcAft>
+              <a:buNone/>
+            </a:pPr>
+            <a:r>
+              <a:rPr lang="en-HK" sz="3000">
+                <a:solidFill>
+                  <a:srgbClr val="073763"/>
+                </a:solidFill>
+              </a:rPr>
+              <a:t>The</a:t>
+            </a:r>
+            <a:r>
+              <a:rPr b="1" lang="en-HK" sz="3000">
+                <a:solidFill>
+                  <a:srgbClr val="073763"/>
+                </a:solidFill>
+              </a:rPr>
+              <a:t> </a:t>
+            </a:r>
+            <a:r>
+              <a:rPr lang="en-HK" sz="3000">
+                <a:solidFill>
+                  <a:srgbClr val="073763"/>
+                </a:solidFill>
+              </a:rPr>
+              <a:t>TAGME algorithm - mention disambiguation</a:t>
+            </a:r>
+            <a:endParaRPr sz="3000">
+              <a:solidFill>
+                <a:srgbClr val="073763"/>
+              </a:solidFill>
+            </a:endParaRPr>
+          </a:p>
+        </p:txBody>
+      </p:sp>
+      <p:sp>
+        <p:nvSpPr>
+          <p:cNvPr id="175" name="Google Shape;175;gf918c11ff1_0_0"/>
+          <p:cNvSpPr txBox="1"/>
+          <p:nvPr>
+            <p:ph idx="1" type="body"/>
+          </p:nvPr>
+        </p:nvSpPr>
+        <p:spPr>
+          <a:xfrm>
+            <a:off x="457200" y="1326750"/>
+            <a:ext cx="8512500" cy="5662200"/>
+          </a:xfrm>
+          <a:prstGeom prst="rect">
+            <a:avLst/>
+          </a:prstGeom>
+        </p:spPr>
+        <p:txBody>
+          <a:bodyPr anchorCtr="0" anchor="t" bIns="45700" lIns="91425" spcFirstLastPara="1" rIns="91425" wrap="square" tIns="45700">
+            <a:normAutofit/>
+          </a:bodyPr>
+          <a:lstStyle/>
+          <a:p>
+            <a:pPr indent="-330200" lvl="0" marL="457200" rtl="0" algn="l">
+              <a:spcBef>
+                <a:spcPts val="360"/>
+              </a:spcBef>
+              <a:spcAft>
+                <a:spcPts val="0"/>
+              </a:spcAft>
+              <a:buSzPts val="1600"/>
+              <a:buFont typeface="Calibri"/>
+              <a:buChar char="●"/>
+            </a:pPr>
+            <a:r>
+              <a:rPr lang="en-HK" sz="2400"/>
+              <a:t>The first factor is </a:t>
+            </a:r>
+            <a:r>
+              <a:rPr lang="en-HK" sz="2400"/>
+              <a:t>prior probability </a:t>
+            </a:r>
+            <a:r>
+              <a:rPr i="1" lang="en-HK"/>
+              <a:t>p</a:t>
+            </a:r>
+            <a:r>
+              <a:rPr lang="en-HK"/>
+              <a:t>(e|</a:t>
+            </a:r>
+            <a:r>
+              <a:rPr i="1" lang="en-HK" sz="2800"/>
+              <a:t>a</a:t>
+            </a:r>
+            <a:r>
+              <a:rPr lang="en-HK"/>
+              <a:t>)</a:t>
+            </a:r>
+            <a:r>
+              <a:rPr lang="en-HK" sz="2400"/>
+              <a:t>,</a:t>
+            </a:r>
+            <a:r>
+              <a:rPr lang="en-HK"/>
+              <a:t> </a:t>
+            </a:r>
+            <a:endParaRPr/>
+          </a:p>
+          <a:p>
+            <a:pPr indent="-330200" lvl="1" marL="914400" rtl="0" algn="l">
+              <a:spcBef>
+                <a:spcPts val="0"/>
+              </a:spcBef>
+              <a:spcAft>
+                <a:spcPts val="0"/>
+              </a:spcAft>
+              <a:buSzPts val="1600"/>
+              <a:buChar char="○"/>
+            </a:pPr>
+            <a:r>
+              <a:rPr lang="en-HK" sz="2400"/>
+              <a:t>the probability that anchor </a:t>
+            </a:r>
+            <a:r>
+              <a:rPr i="1" lang="en-HK"/>
+              <a:t>a</a:t>
+            </a:r>
+            <a:r>
+              <a:rPr lang="en-HK" sz="2400"/>
+              <a:t> point to each page e∈Ɛ(</a:t>
+            </a:r>
+            <a:r>
+              <a:rPr i="1" lang="en-HK" sz="2400"/>
+              <a:t>a</a:t>
+            </a:r>
+            <a:r>
+              <a:rPr lang="en-HK" sz="2400"/>
+              <a:t>)</a:t>
+            </a:r>
+            <a:r>
+              <a:rPr lang="en-HK"/>
+              <a:t>, </a:t>
+            </a:r>
+            <a:r>
+              <a:rPr lang="en-HK" sz="2400"/>
+              <a:t>is ratio of the number of links into </a:t>
+            </a:r>
+            <a:r>
+              <a:rPr i="1" lang="en-HK"/>
+              <a:t>e</a:t>
+            </a:r>
+            <a:r>
+              <a:rPr lang="en-HK" sz="2400"/>
+              <a:t> with anchor text </a:t>
+            </a:r>
+            <a:r>
+              <a:rPr i="1" lang="en-HK" sz="2400"/>
+              <a:t>a</a:t>
+            </a:r>
+            <a:r>
+              <a:rPr lang="en-HK" sz="2400"/>
+              <a:t> to the total number of occurrences of </a:t>
+            </a:r>
+            <a:r>
+              <a:rPr i="1" lang="en-HK" sz="2400"/>
+              <a:t>a</a:t>
+            </a:r>
+            <a:r>
+              <a:rPr lang="en-HK" sz="2400"/>
+              <a:t> as an anchor</a:t>
+            </a:r>
+            <a:endParaRPr sz="2400"/>
+          </a:p>
+          <a:p>
+            <a:pPr indent="-330200" lvl="1" marL="914400" rtl="0" algn="l">
+              <a:spcBef>
+                <a:spcPts val="360"/>
+              </a:spcBef>
+              <a:spcAft>
+                <a:spcPts val="0"/>
+              </a:spcAft>
+              <a:buSzPts val="1600"/>
+              <a:buChar char="○"/>
+            </a:pPr>
+            <a:r>
+              <a:rPr b="1" lang="en-HK"/>
+              <a:t>prior(a ￫ e)</a:t>
+            </a:r>
+            <a:r>
+              <a:rPr lang="en-HK"/>
+              <a:t> = </a:t>
+            </a:r>
+            <a:r>
+              <a:rPr i="1" lang="en-HK"/>
+              <a:t>p</a:t>
+            </a:r>
+            <a:r>
+              <a:rPr lang="en-HK"/>
+              <a:t>(e|</a:t>
+            </a:r>
+            <a:r>
+              <a:rPr i="1" lang="en-HK"/>
+              <a:t>a</a:t>
+            </a:r>
+            <a:r>
+              <a:rPr lang="en-HK"/>
+              <a:t>) = count(</a:t>
+            </a:r>
+            <a:r>
+              <a:rPr i="1" lang="en-HK"/>
+              <a:t>a</a:t>
+            </a:r>
+            <a:r>
+              <a:rPr lang="en-HK"/>
+              <a:t> </a:t>
+            </a:r>
+            <a:r>
+              <a:rPr lang="en-HK"/>
+              <a:t>￫ </a:t>
+            </a:r>
+            <a:r>
+              <a:rPr lang="en-HK"/>
+              <a:t>e) / link(</a:t>
+            </a:r>
+            <a:r>
+              <a:rPr i="1" lang="en-HK"/>
+              <a:t>a</a:t>
+            </a:r>
+            <a:r>
+              <a:rPr lang="en-HK"/>
+              <a:t>)</a:t>
+            </a:r>
+            <a:endParaRPr i="1" sz="2400"/>
+          </a:p>
+          <a:p>
+            <a:pPr indent="-330200" lvl="0" marL="457200" rtl="0" algn="l">
+              <a:spcBef>
+                <a:spcPts val="0"/>
+              </a:spcBef>
+              <a:spcAft>
+                <a:spcPts val="0"/>
+              </a:spcAft>
+              <a:buSzPts val="1600"/>
+              <a:buFont typeface="Calibri"/>
+              <a:buChar char="●"/>
+            </a:pPr>
+            <a:r>
+              <a:rPr lang="en-HK" sz="2400"/>
+              <a:t>The second one is relatedness of the entity e  to all other entities  in the input question q</a:t>
+            </a:r>
+            <a:endParaRPr sz="2400"/>
+          </a:p>
+          <a:p>
+            <a:pPr indent="-330200" lvl="1" marL="914400" rtl="0" algn="l">
+              <a:spcBef>
+                <a:spcPts val="0"/>
+              </a:spcBef>
+              <a:spcAft>
+                <a:spcPts val="0"/>
+              </a:spcAft>
+              <a:buSzPts val="1600"/>
+              <a:buChar char="○"/>
+            </a:pPr>
+            <a:r>
+              <a:rPr lang="en-HK" sz="2400"/>
+              <a:t>the relatedness score of the anchor </a:t>
+            </a:r>
+            <a:r>
+              <a:rPr i="1" lang="en-HK" sz="2400"/>
+              <a:t>a</a:t>
+            </a:r>
+            <a:r>
+              <a:rPr i="1" lang="en-HK"/>
+              <a:t> ￫ </a:t>
+            </a:r>
+            <a:r>
+              <a:rPr i="1" lang="en-HK" sz="2400"/>
+              <a:t>X </a:t>
+            </a:r>
+            <a:r>
+              <a:rPr lang="en-HK" sz="2400"/>
+              <a:t>is to combine relatedness and prior by choosing the entity </a:t>
+            </a:r>
+            <a:r>
+              <a:rPr i="1" lang="en-HK" sz="2400"/>
+              <a:t>X</a:t>
+            </a:r>
+            <a:r>
+              <a:rPr lang="en-HK" sz="2400"/>
+              <a:t> that has the highest relatedness </a:t>
+            </a:r>
+            <a:r>
+              <a:rPr i="1" lang="en-HK" sz="2400"/>
+              <a:t>(a </a:t>
+            </a:r>
+            <a:r>
+              <a:rPr i="1" lang="en-HK"/>
+              <a:t>￫</a:t>
+            </a:r>
+            <a:r>
+              <a:rPr i="1" lang="en-HK" sz="2400"/>
+              <a:t> X)</a:t>
+            </a:r>
+            <a:r>
+              <a:rPr lang="en-HK" sz="2400"/>
+              <a:t>, and from the set, choosing the entity with the highest prior </a:t>
+            </a:r>
+            <a:r>
+              <a:rPr i="1" lang="en-HK" sz="2400"/>
+              <a:t>P(X|a)</a:t>
+            </a:r>
+            <a:endParaRPr i="1" sz="2400"/>
+          </a:p>
+          <a:p>
+            <a:pPr indent="-330200" lvl="1" marL="914400" rtl="0" algn="l">
+              <a:spcBef>
+                <a:spcPts val="0"/>
+              </a:spcBef>
+              <a:spcAft>
+                <a:spcPts val="0"/>
+              </a:spcAft>
+              <a:buSzPts val="1600"/>
+              <a:buChar char="○"/>
+            </a:pPr>
+            <a:r>
+              <a:rPr lang="en-HK" sz="2400"/>
+              <a:t>relatedness (a</a:t>
+            </a:r>
+            <a:r>
+              <a:rPr i="1" lang="en-HK"/>
+              <a:t>￫ </a:t>
+            </a:r>
+            <a:r>
+              <a:rPr i="1" lang="en-HK" sz="2400"/>
+              <a:t>X)</a:t>
+            </a:r>
+            <a:r>
+              <a:rPr lang="en-HK" sz="2400"/>
+              <a:t> = </a:t>
+            </a:r>
+            <a:r>
+              <a:rPr i="1" lang="en-HK" sz="2400"/>
+              <a:t>∑vote b, X</a:t>
+            </a:r>
+            <a:endParaRPr i="1" sz="2400"/>
+          </a:p>
+          <a:p>
+            <a:pPr indent="-330200" lvl="1" marL="914400" rtl="0" algn="l">
+              <a:spcBef>
+                <a:spcPts val="0"/>
+              </a:spcBef>
+              <a:spcAft>
+                <a:spcPts val="0"/>
+              </a:spcAft>
+              <a:buSzPts val="1600"/>
+              <a:buChar char="○"/>
+            </a:pPr>
+            <a:r>
+              <a:rPr lang="en-HK" sz="2400"/>
+              <a:t>vote (b, X) = </a:t>
+            </a:r>
+            <a:r>
+              <a:rPr i="1" lang="en-HK" sz="2400"/>
+              <a:t>1/|Ɛ(b)| ∑rel(X,Y)P(Y|b)</a:t>
+            </a:r>
+            <a:endParaRPr i="1" sz="2400"/>
+          </a:p>
+        </p:txBody>
+      </p:sp>
+      <p:sp>
+        <p:nvSpPr>
+          <p:cNvPr id="176" name="Google Shape;176;gf918c11ff1_0_0"/>
+          <p:cNvSpPr txBox="1"/>
+          <p:nvPr>
+            <p:ph idx="12" type="sldNum"/>
+          </p:nvPr>
+        </p:nvSpPr>
+        <p:spPr>
+          <a:xfrm>
+            <a:off x="6553200" y="6356350"/>
+            <a:ext cx="2133600" cy="365100"/>
+          </a:xfrm>
+          <a:prstGeom prst="rect">
+            <a:avLst/>
+          </a:prstGeom>
+        </p:spPr>
+        <p:txBody>
+          <a:bodyPr anchorCtr="0" anchor="ctr" bIns="45700" lIns="91425" spcFirstLastPara="1" rIns="91425" wrap="square" tIns="45700">
+            <a:noAutofit/>
+          </a:bodyPr>
+          <a:lstStyle/>
+          <a:p>
+            <a:pPr indent="0" lvl="0" marL="0" rtl="0" algn="r">
+              <a:spcBef>
+                <a:spcPts val="0"/>
+              </a:spcBef>
+              <a:spcAft>
+                <a:spcPts val="0"/>
+              </a:spcAft>
+              <a:buClr>
+                <a:srgbClr val="000000"/>
+              </a:buClr>
+              <a:buFont typeface="Arial"/>
+              <a:buNone/>
+            </a:pPr>
+            <a:fld id="{00000000-1234-1234-1234-123412341234}" type="slidenum">
+              <a:rPr lang="en-HK"/>
+              <a:t>‹#›</a:t>
+            </a:fld>
+            <a:endParaRPr/>
+          </a:p>
+        </p:txBody>
+      </p:sp>
+    </p:spTree>
+  </p:cSld>
+  <p:clrMapOvr>
+    <a:masterClrMapping/>
+  </p:clrMapOvr>
+</p:sld>
+</file>
+
+<file path=ppt/slides/slide13.xml><?xml version="1.0" encoding="utf-8"?>
+<p:sld xmlns:a="http://schemas.openxmlformats.org/drawingml/2006/main" xmlns:r="http://schemas.openxmlformats.org/officeDocument/2006/relationships" xmlns:mc="http://schemas.openxmlformats.org/markup-compatibility/2006" xmlns:mv="urn:schemas-microsoft-com:mac:vml" xmlns:p="http://schemas.openxmlformats.org/presentationml/2006/main" xmlns:c="http://schemas.openxmlformats.org/drawingml/2006/chart" xmlns:dgm="http://schemas.openxmlformats.org/drawingml/2006/diagram" xmlns:o="urn:schemas-microsoft-com:office:office" xmlns:v="urn:schemas-microsoft-com:vml" xmlns:pvml="urn:schemas-microsoft-com:office:powerpoint" xmlns:com="http://schemas.openxmlformats.org/drawingml/2006/compatibility" xmlns:p14="http://schemas.microsoft.com/office/powerpoint/2010/main" xmlns:p15="http://schemas.microsoft.com/office/powerpoint/2012/main" xmlns:ahyp="http://schemas.microsoft.com/office/drawing/2018/hyperlinkcolor">
+  <p:cSld>
+    <p:spTree>
+      <p:nvGrpSpPr>
+        <p:cNvPr id="181" name="Shape 181"/>
+        <p:cNvGrpSpPr/>
+        <p:nvPr/>
+      </p:nvGrpSpPr>
+      <p:grpSpPr>
+        <a:xfrm>
+          <a:off x="0" y="0"/>
+          <a:ext cx="0" cy="0"/>
+          <a:chOff x="0" y="0"/>
+          <a:chExt cx="0" cy="0"/>
+        </a:xfrm>
+      </p:grpSpPr>
+      <p:sp>
+        <p:nvSpPr>
+          <p:cNvPr id="182" name="Google Shape;182;gf918c11ff1_0_7"/>
+          <p:cNvSpPr txBox="1"/>
+          <p:nvPr>
+            <p:ph type="title"/>
+          </p:nvPr>
+        </p:nvSpPr>
+        <p:spPr>
+          <a:xfrm>
+            <a:off x="457200" y="274638"/>
+            <a:ext cx="8229600" cy="1143000"/>
+          </a:xfrm>
+          <a:prstGeom prst="rect">
+            <a:avLst/>
+          </a:prstGeom>
+        </p:spPr>
+        <p:txBody>
+          <a:bodyPr anchorCtr="0" anchor="ctr" bIns="45700" lIns="91425" spcFirstLastPara="1" rIns="91425" wrap="square" tIns="45700">
+            <a:normAutofit/>
+          </a:bodyPr>
+          <a:lstStyle/>
+          <a:p>
+            <a:pPr indent="0" lvl="0" marL="0" rtl="0" algn="l">
+              <a:spcBef>
+                <a:spcPts val="0"/>
+              </a:spcBef>
+              <a:spcAft>
+                <a:spcPts val="0"/>
+              </a:spcAft>
+              <a:buNone/>
+            </a:pPr>
+            <a:r>
+              <a:rPr lang="en-HK" sz="3000">
+                <a:solidFill>
+                  <a:srgbClr val="073763"/>
+                </a:solidFill>
+              </a:rPr>
+              <a:t>Neural Graph-based linking</a:t>
+            </a:r>
+            <a:endParaRPr sz="3000">
+              <a:solidFill>
+                <a:srgbClr val="073763"/>
+              </a:solidFill>
+            </a:endParaRPr>
+          </a:p>
+        </p:txBody>
+      </p:sp>
+      <p:sp>
+        <p:nvSpPr>
+          <p:cNvPr id="183" name="Google Shape;183;gf918c11ff1_0_7"/>
+          <p:cNvSpPr txBox="1"/>
+          <p:nvPr>
+            <p:ph idx="1" type="body"/>
+          </p:nvPr>
+        </p:nvSpPr>
+        <p:spPr>
+          <a:xfrm>
+            <a:off x="457200" y="1600200"/>
+            <a:ext cx="8229600" cy="4526100"/>
+          </a:xfrm>
+          <a:prstGeom prst="rect">
+            <a:avLst/>
+          </a:prstGeom>
+        </p:spPr>
+        <p:txBody>
+          <a:bodyPr anchorCtr="0" anchor="t" bIns="45700" lIns="91425" spcFirstLastPara="1" rIns="91425" wrap="square" tIns="45700">
+            <a:normAutofit/>
+          </a:bodyPr>
+          <a:lstStyle/>
+          <a:p>
+            <a:pPr indent="-330200" lvl="0" marL="457200" rtl="0" algn="l">
+              <a:spcBef>
+                <a:spcPts val="360"/>
+              </a:spcBef>
+              <a:spcAft>
+                <a:spcPts val="0"/>
+              </a:spcAft>
+              <a:buSzPts val="1600"/>
+              <a:buFont typeface="Arial"/>
+              <a:buChar char="●"/>
+            </a:pPr>
+            <a:r>
+              <a:rPr lang="en-HK" sz="2400"/>
+              <a:t>More recent entity linking models are based on biencoders</a:t>
+            </a:r>
+            <a:endParaRPr sz="1600"/>
+          </a:p>
+        </p:txBody>
+      </p:sp>
+      <p:sp>
+        <p:nvSpPr>
+          <p:cNvPr id="184" name="Google Shape;184;gf918c11ff1_0_7"/>
+          <p:cNvSpPr txBox="1"/>
+          <p:nvPr>
+            <p:ph idx="12" type="sldNum"/>
+          </p:nvPr>
+        </p:nvSpPr>
+        <p:spPr>
+          <a:xfrm>
+            <a:off x="6553200" y="6356350"/>
+            <a:ext cx="2133600" cy="365100"/>
+          </a:xfrm>
+          <a:prstGeom prst="rect">
+            <a:avLst/>
+          </a:prstGeom>
+        </p:spPr>
+        <p:txBody>
+          <a:bodyPr anchorCtr="0" anchor="ctr" bIns="45700" lIns="91425" spcFirstLastPara="1" rIns="91425" wrap="square" tIns="45700">
+            <a:noAutofit/>
+          </a:bodyPr>
+          <a:lstStyle/>
+          <a:p>
+            <a:pPr indent="0" lvl="0" marL="0" rtl="0" algn="r">
+              <a:spcBef>
+                <a:spcPts val="0"/>
+              </a:spcBef>
+              <a:spcAft>
+                <a:spcPts val="0"/>
+              </a:spcAft>
+              <a:buClr>
+                <a:srgbClr val="000000"/>
+              </a:buClr>
+              <a:buFont typeface="Arial"/>
+              <a:buNone/>
+            </a:pPr>
+            <a:fld id="{00000000-1234-1234-1234-123412341234}" type="slidenum">
+              <a:rPr lang="en-HK"/>
+              <a:t>‹#›</a:t>
+            </a:fld>
+            <a:endParaRPr/>
+          </a:p>
+        </p:txBody>
+      </p:sp>
+    </p:spTree>
+  </p:cSld>
+  <p:clrMapOvr>
+    <a:masterClrMapping/>
+  </p:clrMapOvr>
+</p:sld>
+</file>
+
+<file path=ppt/slides/slide14.xml><?xml version="1.0" encoding="utf-8"?>
+<p:sld xmlns:a="http://schemas.openxmlformats.org/drawingml/2006/main" xmlns:r="http://schemas.openxmlformats.org/officeDocument/2006/relationships" xmlns:mc="http://schemas.openxmlformats.org/markup-compatibility/2006" xmlns:mv="urn:schemas-microsoft-com:mac:vml" xmlns:p="http://schemas.openxmlformats.org/presentationml/2006/main" xmlns:c="http://schemas.openxmlformats.org/drawingml/2006/chart" xmlns:dgm="http://schemas.openxmlformats.org/drawingml/2006/diagram" xmlns:o="urn:schemas-microsoft-com:office:office" xmlns:v="urn:schemas-microsoft-com:vml" xmlns:pvml="urn:schemas-microsoft-com:office:powerpoint" xmlns:com="http://schemas.openxmlformats.org/drawingml/2006/compatibility" xmlns:p14="http://schemas.microsoft.com/office/powerpoint/2010/main" xmlns:p15="http://schemas.microsoft.com/office/powerpoint/2012/main" xmlns:ahyp="http://schemas.microsoft.com/office/drawing/2018/hyperlinkcolor">
+  <p:cSld>
+    <p:spTree>
+      <p:nvGrpSpPr>
+        <p:cNvPr id="189" name="Shape 189"/>
+        <p:cNvGrpSpPr/>
+        <p:nvPr/>
+      </p:nvGrpSpPr>
+      <p:grpSpPr>
+        <a:xfrm>
+          <a:off x="0" y="0"/>
+          <a:ext cx="0" cy="0"/>
+          <a:chOff x="0" y="0"/>
+          <a:chExt cx="0" cy="0"/>
+        </a:xfrm>
+      </p:grpSpPr>
+      <p:sp>
+        <p:nvSpPr>
+          <p:cNvPr id="190" name="Google Shape;190;gf918c11ff1_0_16"/>
+          <p:cNvSpPr txBox="1"/>
+          <p:nvPr>
+            <p:ph type="title"/>
+          </p:nvPr>
+        </p:nvSpPr>
+        <p:spPr>
+          <a:xfrm>
+            <a:off x="457200" y="274638"/>
+            <a:ext cx="8229600" cy="1143000"/>
+          </a:xfrm>
+          <a:prstGeom prst="rect">
+            <a:avLst/>
+          </a:prstGeom>
+        </p:spPr>
+        <p:txBody>
+          <a:bodyPr anchorCtr="0" anchor="ctr" bIns="45700" lIns="91425" spcFirstLastPara="1" rIns="91425" wrap="square" tIns="45700">
+            <a:normAutofit/>
+          </a:bodyPr>
+          <a:lstStyle/>
+          <a:p>
+            <a:pPr indent="0" lvl="0" marL="0" rtl="0" algn="l">
+              <a:spcBef>
+                <a:spcPts val="0"/>
+              </a:spcBef>
+              <a:spcAft>
+                <a:spcPts val="0"/>
+              </a:spcAft>
+              <a:buNone/>
+            </a:pPr>
+            <a:r>
+              <a:rPr lang="en-HK" sz="3000">
+                <a:solidFill>
+                  <a:srgbClr val="073763"/>
+                </a:solidFill>
+              </a:rPr>
+              <a:t>Knowledge-based Question Answering</a:t>
+            </a:r>
+            <a:endParaRPr sz="3000">
+              <a:solidFill>
+                <a:srgbClr val="073763"/>
+              </a:solidFill>
+            </a:endParaRPr>
+          </a:p>
+        </p:txBody>
+      </p:sp>
+      <p:sp>
+        <p:nvSpPr>
+          <p:cNvPr id="191" name="Google Shape;191;gf918c11ff1_0_16"/>
+          <p:cNvSpPr txBox="1"/>
+          <p:nvPr>
+            <p:ph idx="1" type="body"/>
+          </p:nvPr>
+        </p:nvSpPr>
+        <p:spPr>
+          <a:xfrm>
+            <a:off x="457200" y="1600200"/>
+            <a:ext cx="8229600" cy="4526100"/>
+          </a:xfrm>
+          <a:prstGeom prst="rect">
+            <a:avLst/>
+          </a:prstGeom>
+        </p:spPr>
+        <p:txBody>
+          <a:bodyPr anchorCtr="0" anchor="t" bIns="45700" lIns="91425" spcFirstLastPara="1" rIns="91425" wrap="square" tIns="45700">
+            <a:normAutofit/>
+          </a:bodyPr>
+          <a:lstStyle/>
+          <a:p>
+            <a:pPr indent="0" lvl="0" marL="0" rtl="0" algn="l">
+              <a:spcBef>
+                <a:spcPts val="360"/>
+              </a:spcBef>
+              <a:spcAft>
+                <a:spcPts val="0"/>
+              </a:spcAft>
+              <a:buNone/>
+            </a:pPr>
+            <a:r>
+              <a:t/>
+            </a:r>
+            <a:endParaRPr/>
+          </a:p>
+        </p:txBody>
+      </p:sp>
+      <p:sp>
+        <p:nvSpPr>
+          <p:cNvPr id="192" name="Google Shape;192;gf918c11ff1_0_16"/>
+          <p:cNvSpPr txBox="1"/>
+          <p:nvPr>
+            <p:ph idx="12" type="sldNum"/>
+          </p:nvPr>
+        </p:nvSpPr>
+        <p:spPr>
+          <a:xfrm>
+            <a:off x="6553200" y="6356350"/>
+            <a:ext cx="2133600" cy="365100"/>
+          </a:xfrm>
+          <a:prstGeom prst="rect">
+            <a:avLst/>
+          </a:prstGeom>
+        </p:spPr>
+        <p:txBody>
+          <a:bodyPr anchorCtr="0" anchor="ctr" bIns="45700" lIns="91425" spcFirstLastPara="1" rIns="91425" wrap="square" tIns="45700">
+            <a:noAutofit/>
+          </a:bodyPr>
+          <a:lstStyle/>
+          <a:p>
+            <a:pPr indent="0" lvl="0" marL="0" rtl="0" algn="r">
+              <a:spcBef>
+                <a:spcPts val="0"/>
+              </a:spcBef>
+              <a:spcAft>
+                <a:spcPts val="0"/>
+              </a:spcAft>
+              <a:buClr>
+                <a:srgbClr val="000000"/>
+              </a:buClr>
+              <a:buFont typeface="Arial"/>
+              <a:buNone/>
+            </a:pPr>
+            <a:fld id="{00000000-1234-1234-1234-123412341234}" type="slidenum">
+              <a:rPr lang="en-HK"/>
+              <a:t>‹#›</a:t>
+            </a:fld>
+            <a:endParaRPr/>
+          </a:p>
+        </p:txBody>
+      </p:sp>
+    </p:spTree>
+  </p:cSld>
+  <p:clrMapOvr>
+    <a:masterClrMapping/>
+  </p:clrMapOvr>
+</p:sld>
+</file>
+
+<file path=ppt/slides/slide15.xml><?xml version="1.0" encoding="utf-8"?>
+<p:sld xmlns:a="http://schemas.openxmlformats.org/drawingml/2006/main" xmlns:r="http://schemas.openxmlformats.org/officeDocument/2006/relationships" xmlns:mc="http://schemas.openxmlformats.org/markup-compatibility/2006" xmlns:mv="urn:schemas-microsoft-com:mac:vml" xmlns:p="http://schemas.openxmlformats.org/presentationml/2006/main" xmlns:c="http://schemas.openxmlformats.org/drawingml/2006/chart" xmlns:dgm="http://schemas.openxmlformats.org/drawingml/2006/diagram" xmlns:o="urn:schemas-microsoft-com:office:office" xmlns:v="urn:schemas-microsoft-com:vml" xmlns:pvml="urn:schemas-microsoft-com:office:powerpoint" xmlns:com="http://schemas.openxmlformats.org/drawingml/2006/compatibility" xmlns:p14="http://schemas.microsoft.com/office/powerpoint/2010/main" xmlns:p15="http://schemas.microsoft.com/office/powerpoint/2012/main" xmlns:ahyp="http://schemas.microsoft.com/office/drawing/2018/hyperlinkcolor">
+  <p:cSld>
+    <p:spTree>
+      <p:nvGrpSpPr>
+        <p:cNvPr id="196" name="Shape 196"/>
+        <p:cNvGrpSpPr/>
+        <p:nvPr/>
+      </p:nvGrpSpPr>
+      <p:grpSpPr>
+        <a:xfrm>
+          <a:off x="0" y="0"/>
+          <a:ext cx="0" cy="0"/>
+          <a:chOff x="0" y="0"/>
+          <a:chExt cx="0" cy="0"/>
+        </a:xfrm>
+      </p:grpSpPr>
+      <p:pic>
+        <p:nvPicPr>
+          <p:cNvPr id="197" name="Google Shape;197;p5"/>
+          <p:cNvPicPr preferRelativeResize="0"/>
+          <p:nvPr/>
+        </p:nvPicPr>
+        <p:blipFill rotWithShape="1">
+          <a:blip r:embed="rId3">
+            <a:alphaModFix/>
+          </a:blip>
+          <a:srcRect b="0" l="0" r="0" t="0"/>
+          <a:stretch/>
+        </p:blipFill>
+        <p:spPr>
+          <a:xfrm>
+            <a:off x="272616" y="994616"/>
+            <a:ext cx="8596003" cy="3770052"/>
+          </a:xfrm>
+          <a:prstGeom prst="rect">
+            <a:avLst/>
+          </a:prstGeom>
+          <a:noFill/>
+          <a:ln>
+            <a:noFill/>
+          </a:ln>
+        </p:spPr>
+      </p:pic>
+      <p:sp>
+        <p:nvSpPr>
+          <p:cNvPr id="198" name="Google Shape;198;p5"/>
+          <p:cNvSpPr txBox="1"/>
+          <p:nvPr>
+            <p:ph type="ctrTitle"/>
+          </p:nvPr>
+        </p:nvSpPr>
+        <p:spPr>
+          <a:xfrm>
+            <a:off x="323528" y="-107904"/>
+            <a:ext cx="7068020" cy="1102519"/>
+          </a:xfrm>
+          <a:prstGeom prst="rect">
+            <a:avLst/>
+          </a:prstGeom>
+          <a:noFill/>
+          <a:ln>
+            <a:noFill/>
+          </a:ln>
+        </p:spPr>
+        <p:txBody>
+          <a:bodyPr anchorCtr="0" anchor="ctr" bIns="45700" lIns="91425" spcFirstLastPara="1" rIns="91425" wrap="square" tIns="45700">
+            <a:normAutofit/>
+          </a:bodyPr>
+          <a:lstStyle/>
+          <a:p>
+            <a:pPr indent="0" lvl="0" marL="0" rtl="0" algn="l">
+              <a:spcBef>
+                <a:spcPts val="0"/>
+              </a:spcBef>
+              <a:spcAft>
+                <a:spcPts val="0"/>
+              </a:spcAft>
+              <a:buClr>
+                <a:schemeClr val="dk2"/>
+              </a:buClr>
+              <a:buSzPts val="3000"/>
+              <a:buFont typeface="Calibri"/>
+              <a:buNone/>
+            </a:pPr>
+            <a:r>
+              <a:rPr lang="en-HK" sz="3000">
+                <a:solidFill>
+                  <a:schemeClr val="dk2"/>
+                </a:solidFill>
+              </a:rPr>
+              <a:t>Self-Attention Layers</a:t>
+            </a:r>
+            <a:endParaRPr/>
+          </a:p>
+        </p:txBody>
+      </p:sp>
+      <p:sp>
+        <p:nvSpPr>
+          <p:cNvPr id="199" name="Google Shape;199;p5"/>
+          <p:cNvSpPr txBox="1"/>
+          <p:nvPr>
+            <p:ph idx="1" type="subTitle"/>
+          </p:nvPr>
+        </p:nvSpPr>
+        <p:spPr>
+          <a:xfrm>
+            <a:off x="683568" y="1435175"/>
+            <a:ext cx="7704856" cy="3329493"/>
+          </a:xfrm>
+          <a:prstGeom prst="rect">
+            <a:avLst/>
+          </a:prstGeom>
+          <a:noFill/>
+          <a:ln>
+            <a:noFill/>
+          </a:ln>
+        </p:spPr>
+        <p:txBody>
+          <a:bodyPr anchorCtr="0" anchor="t" bIns="45700" lIns="91425" spcFirstLastPara="1" rIns="91425" wrap="square" tIns="45700">
+            <a:noAutofit/>
+          </a:bodyPr>
+          <a:lstStyle/>
+          <a:p>
+            <a:pPr indent="-190500" lvl="0" marL="342900" rtl="0" algn="l">
+              <a:spcBef>
+                <a:spcPts val="0"/>
+              </a:spcBef>
+              <a:spcAft>
+                <a:spcPts val="0"/>
+              </a:spcAft>
+              <a:buClr>
+                <a:srgbClr val="888888"/>
+              </a:buClr>
+              <a:buSzPts val="2400"/>
+              <a:buFont typeface="Arial"/>
+              <a:buNone/>
+            </a:pPr>
+            <a:r>
+              <a:t/>
+            </a:r>
+            <a:endParaRPr sz="2400">
+              <a:solidFill>
+                <a:schemeClr val="dk1"/>
+              </a:solidFill>
+            </a:endParaRPr>
+          </a:p>
+          <a:p>
+            <a:pPr indent="-190500" lvl="0" marL="342900" rtl="0" algn="l">
+              <a:spcBef>
+                <a:spcPts val="480"/>
+              </a:spcBef>
+              <a:spcAft>
+                <a:spcPts val="0"/>
+              </a:spcAft>
+              <a:buClr>
+                <a:srgbClr val="888888"/>
+              </a:buClr>
+              <a:buSzPts val="2400"/>
+              <a:buFont typeface="Arial"/>
+              <a:buNone/>
+            </a:pPr>
+            <a:r>
+              <a:t/>
+            </a:r>
+            <a:endParaRPr sz="2400">
+              <a:solidFill>
+                <a:schemeClr val="dk1"/>
+              </a:solidFill>
+            </a:endParaRPr>
+          </a:p>
+        </p:txBody>
+      </p:sp>
+      <p:sp>
+        <p:nvSpPr>
+          <p:cNvPr id="200" name="Google Shape;200;p5"/>
+          <p:cNvSpPr txBox="1"/>
+          <p:nvPr>
+            <p:ph idx="12" type="sldNum"/>
+          </p:nvPr>
+        </p:nvSpPr>
+        <p:spPr>
+          <a:xfrm>
+            <a:off x="6553200" y="6356350"/>
+            <a:ext cx="2133600" cy="365125"/>
+          </a:xfrm>
+          <a:prstGeom prst="rect">
+            <a:avLst/>
+          </a:prstGeom>
+          <a:noFill/>
+          <a:ln>
+            <a:noFill/>
+          </a:ln>
+        </p:spPr>
+        <p:txBody>
+          <a:bodyPr anchorCtr="0" anchor="ctr" bIns="45700" lIns="91425" spcFirstLastPara="1" rIns="91425" wrap="square" tIns="45700">
+            <a:noAutofit/>
+          </a:bodyPr>
+          <a:lstStyle/>
+          <a:p>
+            <a:pPr indent="0" lvl="0" marL="0" rtl="0" algn="r">
+              <a:spcBef>
+                <a:spcPts val="0"/>
+              </a:spcBef>
+              <a:spcAft>
+                <a:spcPts val="0"/>
+              </a:spcAft>
+              <a:buNone/>
+            </a:pPr>
+            <a:fld id="{00000000-1234-1234-1234-123412341234}" type="slidenum">
+              <a:rPr lang="en-HK"/>
+              <a:t>‹#›</a:t>
+            </a:fld>
+            <a:endParaRPr/>
+          </a:p>
+        </p:txBody>
+      </p:sp>
+      <p:sp>
+        <p:nvSpPr>
+          <p:cNvPr id="201" name="Google Shape;201;p5"/>
+          <p:cNvSpPr/>
+          <p:nvPr/>
+        </p:nvSpPr>
+        <p:spPr>
+          <a:xfrm>
+            <a:off x="426154" y="4599920"/>
+            <a:ext cx="8460432" cy="1938992"/>
+          </a:xfrm>
+          <a:prstGeom prst="rect">
+            <a:avLst/>
+          </a:prstGeom>
+          <a:noFill/>
+          <a:ln>
+            <a:noFill/>
+          </a:ln>
+        </p:spPr>
+        <p:txBody>
+          <a:bodyPr anchorCtr="0" anchor="t" bIns="45700" lIns="91425" spcFirstLastPara="1" rIns="91425" wrap="square" tIns="45700">
+            <a:spAutoFit/>
+          </a:bodyPr>
+          <a:lstStyle/>
+          <a:p>
+            <a:pPr indent="0" lvl="0" marL="0" marR="0" rtl="0" algn="l">
+              <a:spcBef>
+                <a:spcPts val="0"/>
+              </a:spcBef>
+              <a:spcAft>
+                <a:spcPts val="0"/>
+              </a:spcAft>
+              <a:buNone/>
+            </a:pPr>
+            <a:r>
+              <a:rPr lang="en-HK" sz="2400">
+                <a:solidFill>
+                  <a:schemeClr val="dk1"/>
+                </a:solidFill>
+                <a:latin typeface="Calibri"/>
+                <a:ea typeface="Calibri"/>
+                <a:cs typeface="Calibri"/>
+                <a:sym typeface="Calibri"/>
+              </a:rPr>
+              <a:t>Information flow in a causal (or masked) self-attention model. In processing each element of the sequence, the model attends to all the inputs up to, and including, the current one. Unlike RNNs, the computations at each time step are independent of all the other steps and therefore can be performed in parallel.</a:t>
+            </a:r>
+            <a:endParaRPr sz="2400">
+              <a:solidFill>
+                <a:schemeClr val="dk1"/>
+              </a:solidFill>
+              <a:latin typeface="Calibri"/>
+              <a:ea typeface="Calibri"/>
+              <a:cs typeface="Calibri"/>
+              <a:sym typeface="Calibri"/>
+            </a:endParaRPr>
+          </a:p>
+        </p:txBody>
+      </p:sp>
+      <p:sp>
+        <p:nvSpPr>
+          <p:cNvPr id="202" name="Google Shape;202;p5"/>
+          <p:cNvSpPr txBox="1"/>
+          <p:nvPr/>
+        </p:nvSpPr>
+        <p:spPr>
+          <a:xfrm>
+            <a:off x="107504" y="1289557"/>
+            <a:ext cx="792088" cy="369332"/>
+          </a:xfrm>
+          <a:prstGeom prst="rect">
+            <a:avLst/>
+          </a:prstGeom>
+          <a:noFill/>
+          <a:ln>
+            <a:noFill/>
+          </a:ln>
+        </p:spPr>
+        <p:txBody>
+          <a:bodyPr anchorCtr="0" anchor="t" bIns="45700" lIns="91425" spcFirstLastPara="1" rIns="91425" wrap="square" tIns="45700">
+            <a:spAutoFit/>
+          </a:bodyPr>
+          <a:lstStyle/>
+          <a:p>
+            <a:pPr indent="0" lvl="0" marL="0" marR="0" rtl="0" algn="l">
+              <a:spcBef>
+                <a:spcPts val="0"/>
+              </a:spcBef>
+              <a:spcAft>
+                <a:spcPts val="0"/>
+              </a:spcAft>
+              <a:buNone/>
+            </a:pPr>
+            <a:r>
+              <a:rPr lang="en-HK" sz="1800">
+                <a:solidFill>
+                  <a:schemeClr val="dk1"/>
+                </a:solidFill>
+                <a:latin typeface="Calibri"/>
+                <a:ea typeface="Calibri"/>
+                <a:cs typeface="Calibri"/>
+                <a:sym typeface="Calibri"/>
+              </a:rPr>
+              <a:t>Fig. 1</a:t>
+            </a:r>
+            <a:endParaRPr/>
+          </a:p>
+        </p:txBody>
+      </p:sp>
+    </p:spTree>
+  </p:cSld>
+  <p:clrMapOvr>
+    <a:masterClrMapping/>
+  </p:clrMapOvr>
+</p:sld>
+</file>
+
+<file path=ppt/slides/slide16.xml><?xml version="1.0" encoding="utf-8"?>
+<p:sld xmlns:a="http://schemas.openxmlformats.org/drawingml/2006/main" xmlns:r="http://schemas.openxmlformats.org/officeDocument/2006/relationships" xmlns:mc="http://schemas.openxmlformats.org/markup-compatibility/2006" xmlns:mv="urn:schemas-microsoft-com:mac:vml" xmlns:p="http://schemas.openxmlformats.org/presentationml/2006/main" xmlns:c="http://schemas.openxmlformats.org/drawingml/2006/chart" xmlns:dgm="http://schemas.openxmlformats.org/drawingml/2006/diagram" xmlns:o="urn:schemas-microsoft-com:office:office" xmlns:v="urn:schemas-microsoft-com:vml" xmlns:pvml="urn:schemas-microsoft-com:office:powerpoint" xmlns:com="http://schemas.openxmlformats.org/drawingml/2006/compatibility" xmlns:p14="http://schemas.microsoft.com/office/powerpoint/2010/main" xmlns:p15="http://schemas.microsoft.com/office/powerpoint/2012/main" xmlns:ahyp="http://schemas.microsoft.com/office/drawing/2018/hyperlinkcolor">
+  <p:cSld>
+    <p:spTree>
+      <p:nvGrpSpPr>
+        <p:cNvPr id="206" name="Shape 206"/>
+        <p:cNvGrpSpPr/>
+        <p:nvPr/>
+      </p:nvGrpSpPr>
+      <p:grpSpPr>
+        <a:xfrm>
+          <a:off x="0" y="0"/>
+          <a:ext cx="0" cy="0"/>
+          <a:chOff x="0" y="0"/>
+          <a:chExt cx="0" cy="0"/>
+        </a:xfrm>
+      </p:grpSpPr>
+      <p:sp>
+        <p:nvSpPr>
+          <p:cNvPr id="207" name="Google Shape;207;p6"/>
           <p:cNvSpPr txBox="1"/>
           <p:nvPr>
             <p:ph type="ctrTitle"/>
@@ -12538,7 +15094,7 @@
       </p:sp>
       <p:sp>
         <p:nvSpPr>
-          <p:cNvPr id="159" name="Google Shape;159;p6"/>
+          <p:cNvPr id="208" name="Google Shape;208;p6"/>
           <p:cNvSpPr txBox="1"/>
           <p:nvPr>
             <p:ph idx="1" type="subTitle"/>
@@ -12590,7 +15146,7 @@
       </p:sp>
       <p:sp>
         <p:nvSpPr>
-          <p:cNvPr id="160" name="Google Shape;160;p6"/>
+          <p:cNvPr id="209" name="Google Shape;209;p6"/>
           <p:cNvSpPr txBox="1"/>
           <p:nvPr>
             <p:ph idx="12" type="sldNum"/>
@@ -13928,8 +16484,8 @@
         </p:nvSpPr>
         <p:spPr>
           <a:xfrm>
-            <a:off x="457200" y="1600200"/>
-            <a:ext cx="8229600" cy="4526100"/>
+            <a:off x="368325" y="1417650"/>
+            <a:ext cx="8682000" cy="4809000"/>
           </a:xfrm>
           <a:prstGeom prst="rect">
             <a:avLst/>
@@ -13937,7 +16493,7 @@
         </p:spPr>
         <p:txBody>
           <a:bodyPr anchorCtr="0" anchor="t" bIns="45700" lIns="91425" spcFirstLastPara="1" rIns="91425" wrap="square" tIns="45700">
-            <a:normAutofit/>
+            <a:normAutofit lnSpcReduction="20000"/>
           </a:bodyPr>
           <a:lstStyle/>
           <a:p>
@@ -13987,12 +16543,20 @@
             </a:pPr>
             <a:r>
               <a:rPr lang="en-HK" sz="2400"/>
-              <a:t>The answer extraction task is commonly modeled by span labeling: identifying in the passage a span that constitutes an answer</a:t>
+              <a:t>The answer extraction task is commonly modeled by span labeling: identifying a span </a:t>
+            </a:r>
+            <a:r>
+              <a:rPr lang="en-HK" sz="2400"/>
+              <a:t>in the passage </a:t>
+            </a:r>
+            <a:r>
+              <a:rPr lang="en-HK" sz="2400"/>
+              <a:t>that constitutes an answer</a:t>
             </a:r>
             <a:endParaRPr sz="2400"/>
           </a:p>
           <a:p>
-            <a:pPr indent="-330200" lvl="0" marL="457200" rtl="0" algn="l">
+            <a:pPr indent="-330200" lvl="1" marL="914400" rtl="0" algn="l">
               <a:spcBef>
                 <a:spcPts val="0"/>
               </a:spcBef>
@@ -14000,11 +16564,208 @@
                 <a:spcPts val="0"/>
               </a:spcAft>
               <a:buSzPts val="1600"/>
-              <a:buChar char="●"/>
+              <a:buChar char="○"/>
             </a:pPr>
             <a:r>
               <a:rPr lang="en-HK" sz="2400"/>
-              <a:t>A standard baseline algorithm for Reader is to pass the question and passage to any encoder like BERT</a:t>
+              <a:t>Given a question </a:t>
+            </a:r>
+            <a:r>
+              <a:rPr b="1" lang="en-HK"/>
+              <a:t>q</a:t>
+            </a:r>
+            <a:r>
+              <a:rPr lang="en-HK" sz="2400"/>
+              <a:t> of n tokens q</a:t>
+            </a:r>
+            <a:r>
+              <a:rPr baseline="-25000" lang="en-HK" sz="2400"/>
+              <a:t>1</a:t>
+            </a:r>
+            <a:r>
+              <a:rPr lang="en-HK" sz="2400"/>
+              <a:t>,...,q</a:t>
+            </a:r>
+            <a:r>
+              <a:rPr baseline="-25000" lang="en-HK" sz="2400"/>
+              <a:t>n </a:t>
+            </a:r>
+            <a:r>
+              <a:rPr lang="en-HK" sz="2400"/>
+              <a:t>and a passage </a:t>
+            </a:r>
+            <a:r>
+              <a:rPr b="1" lang="en-HK"/>
+              <a:t>p</a:t>
+            </a:r>
+            <a:r>
+              <a:rPr lang="en-HK" sz="2400"/>
+              <a:t> of m tokens </a:t>
+            </a:r>
+            <a:r>
+              <a:rPr b="1" lang="en-HK" sz="2400"/>
+              <a:t>p</a:t>
+            </a:r>
+            <a:r>
+              <a:rPr b="1" baseline="-25000" lang="en-HK" sz="2400"/>
+              <a:t>1</a:t>
+            </a:r>
+            <a:r>
+              <a:rPr b="1" lang="en-HK" sz="2400"/>
+              <a:t>,...,p</a:t>
+            </a:r>
+            <a:r>
+              <a:rPr b="1" baseline="-25000" lang="en-HK" sz="2400"/>
+              <a:t>m,</a:t>
+            </a:r>
+            <a:r>
+              <a:rPr baseline="-25000" lang="en-HK" sz="2400"/>
+              <a:t> </a:t>
+            </a:r>
+            <a:r>
+              <a:rPr lang="en-HK" sz="2400"/>
+              <a:t>,the job is to compute the probability </a:t>
+            </a:r>
+            <a:r>
+              <a:rPr b="1" i="1" lang="en-HK"/>
+              <a:t>p</a:t>
+            </a:r>
+            <a:r>
+              <a:rPr b="1" lang="en-HK" sz="2400"/>
+              <a:t>(a|q,p) </a:t>
+            </a:r>
+            <a:r>
+              <a:rPr lang="en-HK" sz="2400"/>
+              <a:t>that each possible span </a:t>
+            </a:r>
+            <a:r>
+              <a:rPr b="1" lang="en-HK"/>
+              <a:t>a</a:t>
+            </a:r>
+            <a:r>
+              <a:rPr lang="en-HK" sz="2400"/>
+              <a:t> </a:t>
+            </a:r>
+            <a:endParaRPr sz="2400"/>
+          </a:p>
+          <a:p>
+            <a:pPr indent="-330200" lvl="1" marL="914400" rtl="0" algn="l">
+              <a:spcBef>
+                <a:spcPts val="0"/>
+              </a:spcBef>
+              <a:spcAft>
+                <a:spcPts val="0"/>
+              </a:spcAft>
+              <a:buSzPts val="1600"/>
+              <a:buChar char="○"/>
+            </a:pPr>
+            <a:r>
+              <a:rPr lang="en-HK" sz="2400"/>
+              <a:t>If each span </a:t>
+            </a:r>
+            <a:r>
+              <a:rPr b="1" lang="en-HK"/>
+              <a:t>a</a:t>
+            </a:r>
+            <a:r>
+              <a:rPr lang="en-HK" sz="2400"/>
+              <a:t> starts at position </a:t>
+            </a:r>
+            <a:r>
+              <a:rPr b="1" lang="en-HK"/>
+              <a:t>a</a:t>
+            </a:r>
+            <a:r>
+              <a:rPr b="1" baseline="-25000" lang="en-HK" sz="2400"/>
+              <a:t>s</a:t>
+            </a:r>
+            <a:r>
+              <a:rPr b="1" lang="en-HK" sz="2400"/>
+              <a:t> </a:t>
+            </a:r>
+            <a:r>
+              <a:rPr lang="en-HK" sz="2400"/>
+              <a:t>and ends at position </a:t>
+            </a:r>
+            <a:r>
+              <a:rPr b="1" lang="en-HK"/>
+              <a:t>a</a:t>
+            </a:r>
+            <a:r>
+              <a:rPr b="1" baseline="-25000" lang="en-HK" sz="2400"/>
+              <a:t>e</a:t>
+            </a:r>
+            <a:r>
+              <a:rPr lang="en-HK" sz="2400"/>
+              <a:t>, the probability can be estimated as  </a:t>
+            </a:r>
+            <a:endParaRPr sz="2400"/>
+          </a:p>
+          <a:p>
+            <a:pPr indent="0" lvl="0" marL="457200" rtl="0" algn="l">
+              <a:spcBef>
+                <a:spcPts val="360"/>
+              </a:spcBef>
+              <a:spcAft>
+                <a:spcPts val="0"/>
+              </a:spcAft>
+              <a:buNone/>
+            </a:pPr>
+            <a:r>
+              <a:rPr b="1" i="1" lang="en-HK" sz="2800"/>
+              <a:t>      </a:t>
+            </a:r>
+            <a:r>
+              <a:rPr b="1" i="1" lang="en-HK" sz="2800"/>
+              <a:t>p</a:t>
+            </a:r>
+            <a:r>
+              <a:rPr b="1" lang="en-HK" sz="2400"/>
+              <a:t>(a|q,p) = P</a:t>
+            </a:r>
+            <a:r>
+              <a:rPr baseline="-25000" lang="en-HK" sz="2400"/>
+              <a:t>start</a:t>
+            </a:r>
+            <a:r>
+              <a:rPr lang="en-HK" sz="2400"/>
+              <a:t>(</a:t>
+            </a:r>
+            <a:r>
+              <a:rPr lang="en-HK" sz="2800"/>
+              <a:t>a</a:t>
+            </a:r>
+            <a:r>
+              <a:rPr baseline="-25000" lang="en-HK" sz="2400"/>
+              <a:t>s</a:t>
+            </a:r>
+            <a:r>
+              <a:rPr lang="en-HK" sz="2400"/>
+              <a:t>|q,p) </a:t>
+            </a:r>
+            <a:r>
+              <a:rPr b="1" lang="en-HK" sz="2400"/>
+              <a:t>P</a:t>
+            </a:r>
+            <a:r>
+              <a:rPr baseline="-25000" lang="en-HK" sz="2400"/>
+              <a:t>end</a:t>
+            </a:r>
+            <a:r>
+              <a:rPr lang="en-HK" sz="2400"/>
+              <a:t>(</a:t>
+            </a:r>
+            <a:r>
+              <a:rPr lang="en-HK" sz="2800"/>
+              <a:t>a</a:t>
+            </a:r>
+            <a:r>
+              <a:rPr baseline="-25000" lang="en-HK" sz="2400"/>
+              <a:t>e</a:t>
+            </a:r>
+            <a:r>
+              <a:rPr lang="en-HK" sz="2400"/>
+              <a:t>|q,p)</a:t>
             </a:r>
             <a:endParaRPr sz="2400"/>
           </a:p>
@@ -14150,20 +16911,75 @@
           </a:bodyPr>
           <a:lstStyle/>
           <a:p>
-            <a:pPr indent="-342900" lvl="0" marL="457200" rtl="0" algn="l">
+            <a:pPr indent="-330200" lvl="0" marL="457200" rtl="0" algn="l">
               <a:spcBef>
                 <a:spcPts val="360"/>
               </a:spcBef>
               <a:spcAft>
                 <a:spcPts val="0"/>
               </a:spcAft>
-              <a:buSzPts val="1800"/>
+              <a:buSzPts val="1600"/>
               <a:buChar char="●"/>
             </a:pPr>
             <a:r>
+              <a:rPr lang="en-HK" sz="2400"/>
+              <a:t>A standard baseline algorithm for Reader is to pass the question </a:t>
+            </a:r>
+            <a:r>
+              <a:rPr lang="en-HK"/>
+              <a:t>q</a:t>
+            </a:r>
+            <a:r>
+              <a:rPr baseline="-25000" lang="en-HK"/>
+              <a:t>i</a:t>
+            </a:r>
+            <a:r>
+              <a:rPr lang="en-HK" sz="2400"/>
+              <a:t> and passage </a:t>
+            </a:r>
+            <a:r>
+              <a:rPr lang="en-HK"/>
+              <a:t>p</a:t>
+            </a:r>
+            <a:r>
+              <a:rPr baseline="-25000" lang="en-HK"/>
+              <a:t>i</a:t>
+            </a:r>
+            <a:r>
+              <a:rPr lang="en-HK" sz="2400"/>
+              <a:t> to any encoder like BERT</a:t>
+            </a:r>
+            <a:endParaRPr sz="2400"/>
+          </a:p>
+          <a:p>
+            <a:pPr indent="0" lvl="0" marL="457200" rtl="0" algn="l">
+              <a:spcBef>
+                <a:spcPts val="360"/>
+              </a:spcBef>
+              <a:spcAft>
+                <a:spcPts val="0"/>
+              </a:spcAft>
+              <a:buNone/>
+            </a:pPr>
+            <a:r>
               <a:t/>
             </a:r>
-            <a:endParaRPr/>
+            <a:endParaRPr sz="2400"/>
+          </a:p>
+          <a:p>
+            <a:pPr indent="0" lvl="0" marL="0" rtl="0" algn="l">
+              <a:spcBef>
+                <a:spcPts val="360"/>
+              </a:spcBef>
+              <a:spcAft>
+                <a:spcPts val="0"/>
+              </a:spcAft>
+              <a:buNone/>
+            </a:pPr>
+            <a:r>
+              <a:t/>
+            </a:r>
+            <a:endParaRPr sz="2400"/>
           </a:p>
         </p:txBody>
       </p:sp>
@@ -14211,6 +17027,34 @@
           </a:p>
         </p:txBody>
       </p:sp>
+      <p:pic>
+        <p:nvPicPr>
+          <p:cNvPr id="136" name="Google Shape;136;gf4ed930811_0_14"/>
+          <p:cNvPicPr preferRelativeResize="0"/>
+          <p:nvPr/>
+        </p:nvPicPr>
+        <p:blipFill>
+          <a:blip r:embed="rId3">
+            <a:alphaModFix/>
+          </a:blip>
+          <a:stretch>
+            <a:fillRect/>
+          </a:stretch>
+        </p:blipFill>
+        <p:spPr>
+          <a:xfrm>
+            <a:off x="1045175" y="2680400"/>
+            <a:ext cx="6760350" cy="4041043"/>
+          </a:xfrm>
+          <a:prstGeom prst="rect">
+            <a:avLst/>
+          </a:prstGeom>
+          <a:noFill/>
+          <a:ln>
+            <a:noFill/>
+          </a:ln>
+        </p:spPr>
+      </p:pic>
     </p:spTree>
   </p:cSld>
   <p:clrMapOvr>
@@ -14224,7 +17068,7 @@
   <p:cSld>
     <p:spTree>
       <p:nvGrpSpPr>
-        <p:cNvPr id="140" name="Shape 140"/>
+        <p:cNvPr id="141" name="Shape 141"/>
         <p:cNvGrpSpPr/>
         <p:nvPr/>
       </p:nvGrpSpPr>
@@ -14238,7 +17082,7 @@
       </p:grpSpPr>
       <p:sp>
         <p:nvSpPr>
-          <p:cNvPr id="141" name="Google Shape;141;gf4ed930811_0_7"/>
+          <p:cNvPr id="142" name="Google Shape;142;gf6106cedff_0_0"/>
           <p:cNvSpPr txBox="1"/>
           <p:nvPr>
             <p:ph type="title"/>
@@ -14273,28 +17117,20 @@
                 <a:solidFill>
                   <a:srgbClr val="073763"/>
                 </a:solidFill>
+                <a:latin typeface="Arial"/>
+                <a:ea typeface="Arial"/>
+                <a:cs typeface="Arial"/>
+                <a:sym typeface="Arial"/>
               </a:rPr>
-              <a:t>Entity</a:t>
-            </a:r>
-            <a:r>
-              <a:rPr lang="en-HK" sz="3000">
-                <a:solidFill>
-                  <a:srgbClr val="073763"/>
-                </a:solidFill>
-              </a:rPr>
-              <a:t> Linking</a:t>
-            </a:r>
-            <a:endParaRPr sz="3000">
-              <a:solidFill>
-                <a:srgbClr val="073763"/>
-              </a:solidFill>
-            </a:endParaRPr>
+              <a:t>IR-based QA: Reader</a:t>
+            </a:r>
+            <a:endParaRPr/>
           </a:p>
         </p:txBody>
       </p:sp>
       <p:sp>
         <p:nvSpPr>
-          <p:cNvPr id="142" name="Google Shape;142;gf4ed930811_0_7"/>
+          <p:cNvPr id="143" name="Google Shape;143;gf6106cedff_0_0"/>
           <p:cNvSpPr txBox="1"/>
           <p:nvPr>
             <p:ph idx="1" type="body"/>
@@ -14302,8 +17138,8 @@
         </p:nvSpPr>
         <p:spPr>
           <a:xfrm>
-            <a:off x="457200" y="1600200"/>
-            <a:ext cx="8229600" cy="4526100"/>
+            <a:off x="200400" y="1160275"/>
+            <a:ext cx="8943600" cy="5697600"/>
           </a:xfrm>
           <a:prstGeom prst="rect">
             <a:avLst/>
@@ -14311,29 +17147,418 @@
         </p:spPr>
         <p:txBody>
           <a:bodyPr anchorCtr="0" anchor="t" bIns="45700" lIns="91425" spcFirstLastPara="1" rIns="91425" wrap="square" tIns="45700">
-            <a:normAutofit/>
+            <a:normAutofit fontScale="85000" lnSpcReduction="10000"/>
           </a:bodyPr>
           <a:lstStyle/>
           <a:p>
-            <a:pPr indent="0" lvl="0" marL="0" rtl="0" algn="l">
+            <a:pPr indent="-339248" lvl="0" marL="457200" rtl="0" algn="l">
               <a:spcBef>
                 <a:spcPts val="360"/>
               </a:spcBef>
               <a:spcAft>
                 <a:spcPts val="0"/>
               </a:spcAft>
-              <a:buNone/>
+              <a:buSzPct val="67213"/>
+              <a:buFont typeface="Calibri"/>
+              <a:buChar char="●"/>
             </a:pPr>
             <a:r>
-              <a:t/>
-            </a:r>
-            <a:endParaRPr/>
+              <a:rPr lang="en-HK" sz="3050"/>
+              <a:t>we represent the question </a:t>
+            </a:r>
+            <a:r>
+              <a:rPr lang="en-HK" sz="3050"/>
+              <a:t>q</a:t>
+            </a:r>
+            <a:r>
+              <a:rPr baseline="-25000" lang="en-HK" sz="3050"/>
+              <a:t>i</a:t>
+            </a:r>
+            <a:r>
+              <a:rPr lang="en-HK" sz="3050"/>
+              <a:t> and passage </a:t>
+            </a:r>
+            <a:r>
+              <a:rPr lang="en-HK" sz="3050"/>
+              <a:t>p</a:t>
+            </a:r>
+            <a:r>
+              <a:rPr baseline="-25000" lang="en-HK" sz="3050"/>
+              <a:t>i  </a:t>
+            </a:r>
+            <a:r>
+              <a:rPr lang="en-HK" sz="3050"/>
+              <a:t>as the sequence</a:t>
+            </a:r>
+            <a:endParaRPr sz="3050"/>
+          </a:p>
+          <a:p>
+            <a:pPr indent="-339248" lvl="0" marL="457200" rtl="0" algn="l">
+              <a:spcBef>
+                <a:spcPts val="0"/>
+              </a:spcBef>
+              <a:spcAft>
+                <a:spcPts val="0"/>
+              </a:spcAft>
+              <a:buSzPct val="67213"/>
+              <a:buFont typeface="Calibri"/>
+              <a:buChar char="●"/>
+            </a:pPr>
+            <a:r>
+              <a:rPr lang="en-HK" sz="3050"/>
+              <a:t>we’ll also need to add a linear layer to predict the start  and end position  of the span</a:t>
+            </a:r>
+            <a:endParaRPr sz="3050"/>
+          </a:p>
+          <a:p>
+            <a:pPr indent="-328453" lvl="1" marL="914400" rtl="0" algn="l">
+              <a:spcBef>
+                <a:spcPts val="0"/>
+              </a:spcBef>
+              <a:spcAft>
+                <a:spcPts val="0"/>
+              </a:spcAft>
+              <a:buSzPct val="60655"/>
+              <a:buFont typeface="Calibri"/>
+              <a:buChar char="○"/>
+            </a:pPr>
+            <a:r>
+              <a:rPr lang="en-HK" sz="3050"/>
+              <a:t>a span-start embedding </a:t>
+            </a:r>
+            <a:r>
+              <a:rPr b="1" lang="en-HK" sz="3050"/>
+              <a:t>S</a:t>
+            </a:r>
+            <a:r>
+              <a:rPr lang="en-HK" sz="3050"/>
+              <a:t> and a span-end embedding </a:t>
+            </a:r>
+            <a:r>
+              <a:rPr b="1" lang="en-HK" sz="3050"/>
+              <a:t>E</a:t>
+            </a:r>
+            <a:r>
+              <a:rPr lang="en-HK" sz="3050"/>
+              <a:t> will be learned in fine-tuning </a:t>
+            </a:r>
+            <a:endParaRPr sz="3050"/>
+          </a:p>
+          <a:p>
+            <a:pPr indent="-328453" lvl="1" marL="914400" rtl="0" algn="l">
+              <a:spcBef>
+                <a:spcPts val="0"/>
+              </a:spcBef>
+              <a:spcAft>
+                <a:spcPts val="0"/>
+              </a:spcAft>
+              <a:buSzPct val="60655"/>
+              <a:buFont typeface="Calibri"/>
+              <a:buChar char="○"/>
+            </a:pPr>
+            <a:r>
+              <a:rPr lang="en-HK" sz="3050"/>
+              <a:t>a span-start probability for each output token </a:t>
+            </a:r>
+            <a:r>
+              <a:rPr b="1" lang="en-HK" sz="3050"/>
+              <a:t>p’</a:t>
+            </a:r>
+            <a:r>
+              <a:rPr b="1" baseline="-25000" lang="en-HK" sz="3050"/>
+              <a:t>i</a:t>
+            </a:r>
+            <a:endParaRPr b="1" baseline="-25000" sz="3050"/>
+          </a:p>
+          <a:p>
+            <a:pPr indent="0" lvl="0" marL="914400" rtl="0" algn="l">
+              <a:spcBef>
+                <a:spcPts val="360"/>
+              </a:spcBef>
+              <a:spcAft>
+                <a:spcPts val="0"/>
+              </a:spcAft>
+              <a:buNone/>
+            </a:pPr>
+            <a:r>
+              <a:rPr lang="en-HK" sz="2800"/>
+              <a:t>   </a:t>
+            </a:r>
+            <a:r>
+              <a:rPr lang="en-HK" sz="3050"/>
+              <a:t> </a:t>
+            </a:r>
+            <a:r>
+              <a:rPr b="1" i="1" lang="en-HK" sz="3050"/>
+              <a:t>P</a:t>
+            </a:r>
+            <a:r>
+              <a:rPr lang="en-HK" sz="2550"/>
+              <a:t>start</a:t>
+            </a:r>
+            <a:r>
+              <a:rPr baseline="-25000" lang="en-HK" sz="3050"/>
+              <a:t>i</a:t>
+            </a:r>
+            <a:r>
+              <a:rPr lang="en-HK" sz="3050"/>
+              <a:t> </a:t>
+            </a:r>
+            <a:r>
+              <a:rPr baseline="-25000" lang="en-HK" sz="3050"/>
+              <a:t> </a:t>
+            </a:r>
+            <a:r>
+              <a:rPr lang="en-HK" sz="3050"/>
+              <a:t>= exp(</a:t>
+            </a:r>
+            <a:r>
+              <a:rPr i="1" lang="en-HK" sz="3050"/>
+              <a:t>S · p’</a:t>
+            </a:r>
+            <a:r>
+              <a:rPr baseline="-25000" i="1" lang="en-HK" sz="3050"/>
+              <a:t>i</a:t>
+            </a:r>
+            <a:r>
+              <a:rPr lang="en-HK" sz="3050"/>
+              <a:t>) ∕ ∑</a:t>
+            </a:r>
+            <a:r>
+              <a:rPr baseline="-25000" lang="en-HK" sz="3050"/>
+              <a:t>j</a:t>
+            </a:r>
+            <a:r>
+              <a:rPr lang="en-HK" sz="3050"/>
+              <a:t>exp(</a:t>
+            </a:r>
+            <a:r>
+              <a:rPr i="1" lang="en-HK" sz="3050"/>
+              <a:t>S · p’</a:t>
+            </a:r>
+            <a:r>
+              <a:rPr baseline="-25000" i="1" lang="en-HK" sz="3050"/>
+              <a:t>j</a:t>
+            </a:r>
+            <a:r>
+              <a:rPr lang="en-HK" sz="3050"/>
+              <a:t>) </a:t>
+            </a:r>
+            <a:endParaRPr sz="3050"/>
+          </a:p>
+          <a:p>
+            <a:pPr indent="0" lvl="0" marL="914400" rtl="0" algn="l">
+              <a:spcBef>
+                <a:spcPts val="360"/>
+              </a:spcBef>
+              <a:spcAft>
+                <a:spcPts val="0"/>
+              </a:spcAft>
+              <a:buNone/>
+            </a:pPr>
+            <a:r>
+              <a:rPr lang="en-HK" sz="3050"/>
+              <a:t>a span-end probability</a:t>
+            </a:r>
+            <a:endParaRPr sz="3050"/>
+          </a:p>
+          <a:p>
+            <a:pPr indent="0" lvl="0" marL="914400" rtl="0" algn="l">
+              <a:spcBef>
+                <a:spcPts val="360"/>
+              </a:spcBef>
+              <a:spcAft>
+                <a:spcPts val="0"/>
+              </a:spcAft>
+              <a:buNone/>
+            </a:pPr>
+            <a:r>
+              <a:rPr lang="en-HK" sz="2800"/>
+              <a:t>     </a:t>
+            </a:r>
+            <a:r>
+              <a:rPr b="1" i="1" lang="en-HK" sz="3050"/>
+              <a:t>P</a:t>
+            </a:r>
+            <a:r>
+              <a:rPr lang="en-HK" sz="2550"/>
+              <a:t>end</a:t>
+            </a:r>
+            <a:r>
+              <a:rPr baseline="-25000" lang="en-HK" sz="3050"/>
+              <a:t>i</a:t>
+            </a:r>
+            <a:r>
+              <a:rPr lang="en-HK" sz="3050"/>
+              <a:t> </a:t>
+            </a:r>
+            <a:r>
+              <a:rPr baseline="-25000" lang="en-HK" sz="3050"/>
+              <a:t> </a:t>
+            </a:r>
+            <a:r>
+              <a:rPr lang="en-HK" sz="3050"/>
+              <a:t>= exp(</a:t>
+            </a:r>
+            <a:r>
+              <a:rPr i="1" lang="en-HK" sz="3050"/>
+              <a:t>E · p’</a:t>
+            </a:r>
+            <a:r>
+              <a:rPr baseline="-25000" i="1" lang="en-HK" sz="3050"/>
+              <a:t>i</a:t>
+            </a:r>
+            <a:r>
+              <a:rPr lang="en-HK" sz="3050"/>
+              <a:t>) / ∑</a:t>
+            </a:r>
+            <a:r>
+              <a:rPr baseline="-25000" lang="en-HK" sz="3050"/>
+              <a:t>j</a:t>
+            </a:r>
+            <a:r>
+              <a:rPr lang="en-HK" sz="3050"/>
+              <a:t>exp(</a:t>
+            </a:r>
+            <a:r>
+              <a:rPr i="1" lang="en-HK" sz="3050"/>
+              <a:t>E · p’</a:t>
+            </a:r>
+            <a:r>
+              <a:rPr baseline="-25000" i="1" lang="en-HK" sz="3050"/>
+              <a:t>j</a:t>
+            </a:r>
+            <a:r>
+              <a:rPr i="1" lang="en-HK" sz="3050"/>
+              <a:t>)</a:t>
+            </a:r>
+            <a:r>
+              <a:rPr lang="en-HK" sz="3050"/>
+              <a:t> </a:t>
+            </a:r>
+            <a:endParaRPr sz="3050"/>
+          </a:p>
+          <a:p>
+            <a:pPr indent="-328453" lvl="0" marL="914400" rtl="0" algn="l">
+              <a:spcBef>
+                <a:spcPts val="360"/>
+              </a:spcBef>
+              <a:spcAft>
+                <a:spcPts val="0"/>
+              </a:spcAft>
+              <a:buSzPct val="60655"/>
+              <a:buFont typeface="Calibri"/>
+              <a:buChar char="●"/>
+            </a:pPr>
+            <a:r>
+              <a:rPr lang="en-HK" sz="3050"/>
+              <a:t>The score of a candidate span from position i to j is  </a:t>
+            </a:r>
+            <a:endParaRPr sz="3050"/>
+          </a:p>
+          <a:p>
+            <a:pPr indent="0" lvl="0" marL="914400" rtl="0" algn="l">
+              <a:spcBef>
+                <a:spcPts val="360"/>
+              </a:spcBef>
+              <a:spcAft>
+                <a:spcPts val="0"/>
+              </a:spcAft>
+              <a:buNone/>
+            </a:pPr>
+            <a:r>
+              <a:rPr b="1" i="1" lang="en-HK" sz="3050"/>
+              <a:t>S · p’</a:t>
+            </a:r>
+            <a:r>
+              <a:rPr b="1" baseline="-25000" i="1" lang="en-HK" sz="3050"/>
+              <a:t>i </a:t>
+            </a:r>
+            <a:r>
+              <a:rPr b="1" i="1" lang="en-HK" sz="3050"/>
+              <a:t>+ E · p’</a:t>
+            </a:r>
+            <a:r>
+              <a:rPr b="1" baseline="-25000" i="1" lang="en-HK" sz="3050"/>
+              <a:t>i</a:t>
+            </a:r>
+            <a:endParaRPr b="1" i="1" sz="2800"/>
+          </a:p>
+          <a:p>
+            <a:pPr indent="-328453" lvl="0" marL="457200" rtl="0" algn="l">
+              <a:spcBef>
+                <a:spcPts val="360"/>
+              </a:spcBef>
+              <a:spcAft>
+                <a:spcPts val="0"/>
+              </a:spcAft>
+              <a:buSzPct val="60655"/>
+              <a:buFont typeface="Calibri"/>
+              <a:buChar char="●"/>
+            </a:pPr>
+            <a:r>
+              <a:rPr lang="en-HK" sz="3050"/>
+              <a:t>The training loss is the negative sum of the log-likelihoods of the correct start and end positions for each instance</a:t>
+            </a:r>
+            <a:endParaRPr sz="3050"/>
+          </a:p>
+          <a:p>
+            <a:pPr indent="0" lvl="0" marL="1371600" rtl="0" algn="l">
+              <a:spcBef>
+                <a:spcPts val="360"/>
+              </a:spcBef>
+              <a:spcAft>
+                <a:spcPts val="0"/>
+              </a:spcAft>
+              <a:buNone/>
+            </a:pPr>
+            <a:r>
+              <a:rPr i="1" lang="en-HK" sz="3050"/>
+              <a:t>L</a:t>
+            </a:r>
+            <a:r>
+              <a:rPr lang="en-HK" sz="3050"/>
+              <a:t> = -log</a:t>
+            </a:r>
+            <a:r>
+              <a:rPr b="1" i="1" lang="en-HK" sz="3050"/>
+              <a:t>P</a:t>
+            </a:r>
+            <a:r>
+              <a:rPr lang="en-HK" sz="2550"/>
+              <a:t>start</a:t>
+            </a:r>
+            <a:r>
+              <a:rPr baseline="-25000" lang="en-HK" sz="3050"/>
+              <a:t>i</a:t>
+            </a:r>
+            <a:r>
+              <a:rPr lang="en-HK" sz="3050"/>
+              <a:t> - log</a:t>
+            </a:r>
+            <a:r>
+              <a:rPr b="1" i="1" lang="en-HK" sz="3050"/>
+              <a:t>P</a:t>
+            </a:r>
+            <a:r>
+              <a:rPr lang="en-HK" sz="2550"/>
+              <a:t>end</a:t>
+            </a:r>
+            <a:r>
+              <a:rPr baseline="-25000" lang="en-HK" sz="3050"/>
+              <a:t>i</a:t>
+            </a:r>
+            <a:r>
+              <a:rPr lang="en-HK" sz="3050"/>
+              <a:t>  </a:t>
+            </a:r>
+            <a:endParaRPr sz="2800"/>
           </a:p>
         </p:txBody>
       </p:sp>
       <p:sp>
         <p:nvSpPr>
-          <p:cNvPr id="143" name="Google Shape;143;gf4ed930811_0_7"/>
+          <p:cNvPr id="144" name="Google Shape;144;gf6106cedff_0_0"/>
           <p:cNvSpPr txBox="1"/>
           <p:nvPr>
             <p:ph idx="12" type="sldNum"/>
@@ -14380,6 +17605,89 @@
   <p:clrMapOvr>
     <a:masterClrMapping/>
   </p:clrMapOvr>
+  <p:timing>
+    <p:tnLst>
+      <p:par>
+        <p:cTn dur="indefinite" nodeType="tmRoot" restart="never">
+          <p:childTnLst>
+            <p:seq concurrent="1" nextAc="seek">
+              <p:cTn dur="indefinite" id="2" nodeType="mainSeq">
+                <p:childTnLst>
+                  <p:par>
+                    <p:cTn fill="hold">
+                      <p:stCondLst>
+                        <p:cond delay="indefinite"/>
+                      </p:stCondLst>
+                      <p:childTnLst>
+                        <p:par>
+                          <p:cTn fill="hold">
+                            <p:stCondLst>
+                              <p:cond delay="0"/>
+                            </p:stCondLst>
+                            <p:childTnLst>
+                              <p:par>
+                                <p:cTn fill="hold" nodeType="clickEffect" presetClass="entr" presetID="10" presetSubtype="0">
+                                  <p:stCondLst>
+                                    <p:cond delay="0"/>
+                                  </p:stCondLst>
+                                  <p:childTnLst>
+                                    <p:set>
+                                      <p:cBhvr>
+                                        <p:cTn dur="1" fill="hold">
+                                          <p:stCondLst>
+                                            <p:cond delay="0"/>
+                                          </p:stCondLst>
+                                        </p:cTn>
+                                        <p:tgtEl>
+                                          <p:spTgt spid="143"/>
+                                        </p:tgtEl>
+                                        <p:attrNameLst>
+                                          <p:attrName>style.visibility</p:attrName>
+                                        </p:attrNameLst>
+                                      </p:cBhvr>
+                                      <p:to>
+                                        <p:strVal val="visible"/>
+                                      </p:to>
+                                    </p:set>
+                                    <p:animEffect filter="fade" transition="in">
+                                      <p:cBhvr>
+                                        <p:cTn dur="1000"/>
+                                        <p:tgtEl>
+                                          <p:spTgt spid="143"/>
+                                        </p:tgtEl>
+                                      </p:cBhvr>
+                                    </p:animEffect>
+                                  </p:childTnLst>
+                                </p:cTn>
+                              </p:par>
+                            </p:childTnLst>
+                          </p:cTn>
+                        </p:par>
+                      </p:childTnLst>
+                    </p:cTn>
+                  </p:par>
+                </p:childTnLst>
+              </p:cTn>
+              <p:prevCondLst>
+                <p:cond evt="onPrev">
+                  <p:tgtEl>
+                    <p:sldTgt/>
+                  </p:tgtEl>
+                </p:cond>
+              </p:prevCondLst>
+              <p:nextCondLst>
+                <p:cond evt="onNext">
+                  <p:tgtEl>
+                    <p:sldTgt/>
+                  </p:tgtEl>
+                </p:cond>
+              </p:nextCondLst>
+            </p:seq>
+          </p:childTnLst>
+        </p:cTn>
+      </p:par>
+    </p:tnLst>
+  </p:timing>
 </p:sld>
 </file>
 
@@ -14388,7 +17696,7 @@
   <p:cSld>
     <p:spTree>
       <p:nvGrpSpPr>
-        <p:cNvPr id="147" name="Shape 147"/>
+        <p:cNvPr id="149" name="Shape 149"/>
         <p:cNvGrpSpPr/>
         <p:nvPr/>
       </p:nvGrpSpPr>
@@ -14400,53 +17708,22 @@
           <a:chExt cx="0" cy="0"/>
         </a:xfrm>
       </p:grpSpPr>
-      <p:pic>
-        <p:nvPicPr>
-          <p:cNvPr id="148" name="Google Shape;148;p5"/>
-          <p:cNvPicPr preferRelativeResize="0"/>
-          <p:nvPr/>
-        </p:nvPicPr>
-        <p:blipFill rotWithShape="1">
-          <a:blip r:embed="rId3">
-            <a:alphaModFix/>
-          </a:blip>
-          <a:srcRect b="0" l="0" r="0" t="0"/>
-          <a:stretch/>
-        </p:blipFill>
+      <p:sp>
+        <p:nvSpPr>
+          <p:cNvPr id="150" name="Google Shape;150;gf4ed930811_0_7"/>
+          <p:cNvSpPr txBox="1"/>
+          <p:nvPr>
+            <p:ph type="title"/>
+          </p:nvPr>
+        </p:nvSpPr>
         <p:spPr>
           <a:xfrm>
-            <a:off x="272616" y="994616"/>
-            <a:ext cx="8596003" cy="3770052"/>
+            <a:off x="457200" y="274638"/>
+            <a:ext cx="8229600" cy="1143000"/>
           </a:xfrm>
           <a:prstGeom prst="rect">
             <a:avLst/>
           </a:prstGeom>
-          <a:noFill/>
-          <a:ln>
-            <a:noFill/>
-          </a:ln>
-        </p:spPr>
-      </p:pic>
-      <p:sp>
-        <p:nvSpPr>
-          <p:cNvPr id="149" name="Google Shape;149;p5"/>
-          <p:cNvSpPr txBox="1"/>
-          <p:nvPr>
-            <p:ph type="ctrTitle"/>
-          </p:nvPr>
-        </p:nvSpPr>
-        <p:spPr>
-          <a:xfrm>
-            <a:off x="323528" y="-107904"/>
-            <a:ext cx="7068020" cy="1102519"/>
-          </a:xfrm>
-          <a:prstGeom prst="rect">
-            <a:avLst/>
-          </a:prstGeom>
-          <a:noFill/>
-          <a:ln>
-            <a:noFill/>
-          </a:ln>
         </p:spPr>
         <p:txBody>
           <a:bodyPr anchorCtr="0" anchor="ctr" bIns="45700" lIns="91425" spcFirstLastPara="1" rIns="91425" wrap="square" tIns="45700">
@@ -14461,96 +17738,27 @@
               <a:spcAft>
                 <a:spcPts val="0"/>
               </a:spcAft>
-              <a:buClr>
-                <a:schemeClr val="dk2"/>
-              </a:buClr>
-              <a:buSzPts val="3000"/>
-              <a:buFont typeface="Calibri"/>
               <a:buNone/>
             </a:pPr>
             <a:r>
               <a:rPr lang="en-HK" sz="3000">
                 <a:solidFill>
-                  <a:schemeClr val="dk2"/>
+                  <a:srgbClr val="073763"/>
                 </a:solidFill>
               </a:rPr>
-              <a:t>Self-Attention Layers</a:t>
-            </a:r>
-            <a:endParaRPr/>
-          </a:p>
-        </p:txBody>
-      </p:sp>
-      <p:sp>
-        <p:nvSpPr>
-          <p:cNvPr id="150" name="Google Shape;150;p5"/>
-          <p:cNvSpPr txBox="1"/>
-          <p:nvPr>
-            <p:ph idx="1" type="subTitle"/>
-          </p:nvPr>
-        </p:nvSpPr>
-        <p:spPr>
-          <a:xfrm>
-            <a:off x="683568" y="1435175"/>
-            <a:ext cx="7704856" cy="3329493"/>
-          </a:xfrm>
-          <a:prstGeom prst="rect">
-            <a:avLst/>
-          </a:prstGeom>
-          <a:noFill/>
-          <a:ln>
-            <a:noFill/>
-          </a:ln>
-        </p:spPr>
-        <p:txBody>
-          <a:bodyPr anchorCtr="0" anchor="t" bIns="45700" lIns="91425" spcFirstLastPara="1" rIns="91425" wrap="square" tIns="45700">
-            <a:noAutofit/>
-          </a:bodyPr>
-          <a:lstStyle/>
-          <a:p>
-            <a:pPr indent="-190500" lvl="0" marL="342900" rtl="0" algn="l">
-              <a:spcBef>
-                <a:spcPts val="0"/>
-              </a:spcBef>
-              <a:spcAft>
-                <a:spcPts val="0"/>
-              </a:spcAft>
-              <a:buClr>
-                <a:srgbClr val="888888"/>
-              </a:buClr>
-              <a:buSzPts val="2400"/>
-              <a:buFont typeface="Arial"/>
-              <a:buNone/>
-            </a:pPr>
-            <a:r>
-              <a:t/>
-            </a:r>
-            <a:endParaRPr sz="2400">
+              <a:t>Entity</a:t>
+            </a:r>
+            <a:r>
+              <a:rPr lang="en-HK" sz="3000">
+                <a:solidFill>
+                  <a:srgbClr val="073763"/>
+                </a:solidFill>
+              </a:rPr>
+              <a:t> Linking</a:t>
+            </a:r>
+            <a:endParaRPr sz="3000">
               <a:solidFill>
-                <a:schemeClr val="dk1"/>
-              </a:solidFill>
-            </a:endParaRPr>
-          </a:p>
-          <a:p>
-            <a:pPr indent="-190500" lvl="0" marL="342900" rtl="0" algn="l">
-              <a:spcBef>
-                <a:spcPts val="480"/>
-              </a:spcBef>
-              <a:spcAft>
-                <a:spcPts val="0"/>
-              </a:spcAft>
-              <a:buClr>
-                <a:srgbClr val="888888"/>
-              </a:buClr>
-              <a:buSzPts val="2400"/>
-              <a:buFont typeface="Arial"/>
-              <a:buNone/>
-            </a:pPr>
-            <a:r>
-              <a:t/>
-            </a:r>
-            <a:endParaRPr sz="2400">
-              <a:solidFill>
-                <a:schemeClr val="dk1"/>
+                <a:srgbClr val="073763"/>
               </a:solidFill>
             </a:endParaRPr>
           </a:p>
@@ -14558,7 +17766,133 @@
       </p:sp>
       <p:sp>
         <p:nvSpPr>
-          <p:cNvPr id="151" name="Google Shape;151;p5"/>
+          <p:cNvPr id="151" name="Google Shape;151;gf4ed930811_0_7"/>
+          <p:cNvSpPr txBox="1"/>
+          <p:nvPr>
+            <p:ph idx="1" type="body"/>
+          </p:nvPr>
+        </p:nvSpPr>
+        <p:spPr>
+          <a:xfrm>
+            <a:off x="457200" y="1600200"/>
+            <a:ext cx="8536800" cy="4526100"/>
+          </a:xfrm>
+          <a:prstGeom prst="rect">
+            <a:avLst/>
+          </a:prstGeom>
+        </p:spPr>
+        <p:txBody>
+          <a:bodyPr anchorCtr="0" anchor="t" bIns="45700" lIns="91425" spcFirstLastPara="1" rIns="91425" wrap="square" tIns="45700">
+            <a:normAutofit/>
+          </a:bodyPr>
+          <a:lstStyle/>
+          <a:p>
+            <a:pPr indent="-330200" lvl="0" marL="457200" rtl="0" algn="l">
+              <a:spcBef>
+                <a:spcPts val="360"/>
+              </a:spcBef>
+              <a:spcAft>
+                <a:spcPts val="0"/>
+              </a:spcAft>
+              <a:buSzPts val="1600"/>
+              <a:buChar char="●"/>
+            </a:pPr>
+            <a:r>
+              <a:rPr lang="en-HK" sz="2400"/>
+              <a:t>Entity linking is the task of associating a mention in text with the representation of some real-world entity in an ontology</a:t>
+            </a:r>
+            <a:endParaRPr sz="2400"/>
+          </a:p>
+          <a:p>
+            <a:pPr indent="-330200" lvl="1" marL="914400" rtl="0" algn="l">
+              <a:spcBef>
+                <a:spcPts val="0"/>
+              </a:spcBef>
+              <a:spcAft>
+                <a:spcPts val="0"/>
+              </a:spcAft>
+              <a:buSzPts val="1600"/>
+              <a:buChar char="○"/>
+            </a:pPr>
+            <a:r>
+              <a:rPr lang="en-HK" sz="2400"/>
+              <a:t>The most common ontology for factoid question-answering is Wikipedia</a:t>
+            </a:r>
+            <a:endParaRPr sz="2400"/>
+          </a:p>
+          <a:p>
+            <a:pPr indent="-330200" lvl="0" marL="457200" rtl="0" algn="l">
+              <a:spcBef>
+                <a:spcPts val="0"/>
+              </a:spcBef>
+              <a:spcAft>
+                <a:spcPts val="0"/>
+              </a:spcAft>
+              <a:buSzPts val="1600"/>
+              <a:buChar char="●"/>
+            </a:pPr>
+            <a:r>
+              <a:rPr lang="en-HK" sz="2400"/>
+              <a:t>we will give two algorithms </a:t>
+            </a:r>
+            <a:endParaRPr sz="2400"/>
+          </a:p>
+          <a:p>
+            <a:pPr indent="-330200" lvl="1" marL="914400" rtl="0" algn="l">
+              <a:spcBef>
+                <a:spcPts val="0"/>
+              </a:spcBef>
+              <a:spcAft>
+                <a:spcPts val="0"/>
+              </a:spcAft>
+              <a:buSzPts val="1600"/>
+              <a:buChar char="○"/>
+            </a:pPr>
+            <a:r>
+              <a:rPr lang="en-HK" sz="2400"/>
+              <a:t>one baseline is to use anchor dictionaries and information from the Wikipedia graph structure</a:t>
+            </a:r>
+            <a:endParaRPr sz="2400"/>
+          </a:p>
+          <a:p>
+            <a:pPr indent="-330200" lvl="1" marL="914400" rtl="0" algn="l">
+              <a:spcBef>
+                <a:spcPts val="0"/>
+              </a:spcBef>
+              <a:spcAft>
+                <a:spcPts val="0"/>
+              </a:spcAft>
+              <a:buSzPts val="1600"/>
+              <a:buChar char="○"/>
+            </a:pPr>
+            <a:r>
+              <a:rPr lang="en-HK" sz="2400"/>
+              <a:t>one is modern neural algorithm</a:t>
+            </a:r>
+            <a:endParaRPr sz="2400"/>
+          </a:p>
+          <a:p>
+            <a:pPr indent="-330200" lvl="0" marL="457200" rtl="0" algn="l">
+              <a:spcBef>
+                <a:spcPts val="0"/>
+              </a:spcBef>
+              <a:spcAft>
+                <a:spcPts val="0"/>
+              </a:spcAft>
+              <a:buSzPts val="1600"/>
+              <a:buChar char="●"/>
+            </a:pPr>
+            <a:r>
+              <a:rPr lang="en-HK" sz="2400"/>
+              <a:t>we focus here on the application of entity linking to questions</a:t>
+            </a:r>
+            <a:endParaRPr sz="2400"/>
+          </a:p>
+        </p:txBody>
+      </p:sp>
+      <p:sp>
+        <p:nvSpPr>
+          <p:cNvPr id="152" name="Google Shape;152;gf4ed930811_0_7"/>
           <p:cNvSpPr txBox="1"/>
           <p:nvPr>
             <p:ph idx="12" type="sldNum"/>
@@ -14567,15 +17901,11 @@
         <p:spPr>
           <a:xfrm>
             <a:off x="6553200" y="6356350"/>
-            <a:ext cx="2133600" cy="365125"/>
+            <a:ext cx="2133600" cy="365100"/>
           </a:xfrm>
           <a:prstGeom prst="rect">
             <a:avLst/>
           </a:prstGeom>
-          <a:noFill/>
-          <a:ln>
-            <a:noFill/>
-          </a:ln>
         </p:spPr>
         <p:txBody>
           <a:bodyPr anchorCtr="0" anchor="ctr" bIns="45700" lIns="91425" spcFirstLastPara="1" rIns="91425" wrap="square" tIns="45700">
@@ -14590,120 +17920,16 @@
               <a:spcAft>
                 <a:spcPts val="0"/>
               </a:spcAft>
+              <a:buClr>
+                <a:srgbClr val="000000"/>
+              </a:buClr>
+              <a:buFont typeface="Arial"/>
               <a:buNone/>
             </a:pPr>
             <a:fld id="{00000000-1234-1234-1234-123412341234}" type="slidenum">
               <a:rPr lang="en-HK"/>
               <a:t>‹#›</a:t>
             </a:fld>
-            <a:endParaRPr/>
-          </a:p>
-        </p:txBody>
-      </p:sp>
-      <p:sp>
-        <p:nvSpPr>
-          <p:cNvPr id="152" name="Google Shape;152;p5"/>
-          <p:cNvSpPr/>
-          <p:nvPr/>
-        </p:nvSpPr>
-        <p:spPr>
-          <a:xfrm>
-            <a:off x="426154" y="4599920"/>
-            <a:ext cx="8460432" cy="1938992"/>
-          </a:xfrm>
-          <a:prstGeom prst="rect">
-            <a:avLst/>
-          </a:prstGeom>
-          <a:noFill/>
-          <a:ln>
-            <a:noFill/>
-          </a:ln>
-        </p:spPr>
-        <p:txBody>
-          <a:bodyPr anchorCtr="0" anchor="t" bIns="45700" lIns="91425" spcFirstLastPara="1" rIns="91425" wrap="square" tIns="45700">
-            <a:spAutoFit/>
-          </a:bodyPr>
-          <a:lstStyle/>
-          <a:p>
-            <a:pPr indent="0" lvl="0" marL="0" marR="0" rtl="0" algn="l">
-              <a:spcBef>
-                <a:spcPts val="0"/>
-              </a:spcBef>
-              <a:spcAft>
-                <a:spcPts val="0"/>
-              </a:spcAft>
-              <a:buNone/>
-            </a:pPr>
-            <a:r>
-              <a:rPr lang="en-HK" sz="2400">
-                <a:solidFill>
-                  <a:schemeClr val="dk1"/>
-                </a:solidFill>
-                <a:latin typeface="Calibri"/>
-                <a:ea typeface="Calibri"/>
-                <a:cs typeface="Calibri"/>
-                <a:sym typeface="Calibri"/>
-              </a:rPr>
-              <a:t>Information flow in a causal (or masked) self-attention model. In processing each element of the sequence, the model attends to all the inputs up to, and including, the current one. Unlike RNNs, the computations at each time step are independent of all the other steps and therefore can be performed in parallel.</a:t>
-            </a:r>
-            <a:endParaRPr sz="2400">
-              <a:solidFill>
-                <a:schemeClr val="dk1"/>
-              </a:solidFill>
-              <a:latin typeface="Calibri"/>
-              <a:ea typeface="Calibri"/>
-              <a:cs typeface="Calibri"/>
-              <a:sym typeface="Calibri"/>
-            </a:endParaRPr>
-          </a:p>
-        </p:txBody>
-      </p:sp>
-      <p:sp>
-        <p:nvSpPr>
-          <p:cNvPr id="153" name="Google Shape;153;p5"/>
-          <p:cNvSpPr txBox="1"/>
-          <p:nvPr/>
-        </p:nvSpPr>
-        <p:spPr>
-          <a:xfrm>
-            <a:off x="107504" y="1289557"/>
-            <a:ext cx="792088" cy="369332"/>
-          </a:xfrm>
-          <a:prstGeom prst="rect">
-            <a:avLst/>
-          </a:prstGeom>
-          <a:noFill/>
-          <a:ln>
-            <a:noFill/>
-          </a:ln>
-        </p:spPr>
-        <p:txBody>
-          <a:bodyPr anchorCtr="0" anchor="t" bIns="45700" lIns="91425" spcFirstLastPara="1" rIns="91425" wrap="square" tIns="45700">
-            <a:spAutoFit/>
-          </a:bodyPr>
-          <a:lstStyle/>
-          <a:p>
-            <a:pPr indent="0" lvl="0" marL="0" marR="0" rtl="0" algn="l">
-              <a:spcBef>
-                <a:spcPts val="0"/>
-              </a:spcBef>
-              <a:spcAft>
-                <a:spcPts val="0"/>
-              </a:spcAft>
-              <a:buNone/>
-            </a:pPr>
-            <a:r>
-              <a:rPr lang="en-HK" sz="1800">
-                <a:solidFill>
-                  <a:schemeClr val="dk1"/>
-                </a:solidFill>
-                <a:latin typeface="Calibri"/>
-                <a:ea typeface="Calibri"/>
-                <a:cs typeface="Calibri"/>
-                <a:sym typeface="Calibri"/>
-              </a:rPr>
-              <a:t>Fig. 1</a:t>
-            </a:r>
             <a:endParaRPr/>
           </a:p>
         </p:txBody>
